--- a/TUGAIT 2017 dbatools/dbatools - SQL Server and PowerShell together.pptx
+++ b/TUGAIT 2017 dbatools/dbatools - SQL Server and PowerShell together.pptx
@@ -11,9 +11,9 @@
     <p:sldId id="256" r:id="rId2"/>
     <p:sldId id="261" r:id="rId3"/>
     <p:sldId id="263" r:id="rId4"/>
-    <p:sldId id="264" r:id="rId5"/>
-    <p:sldId id="265" r:id="rId6"/>
-    <p:sldId id="266" r:id="rId7"/>
+    <p:sldId id="266" r:id="rId5"/>
+    <p:sldId id="264" r:id="rId6"/>
+    <p:sldId id="265" r:id="rId7"/>
     <p:sldId id="267" r:id="rId8"/>
     <p:sldId id="268" r:id="rId9"/>
     <p:sldId id="262" r:id="rId10"/>
@@ -205,7 +205,7 @@
           <a:p>
             <a:fld id="{727E32D5-D664-47CA-981E-CA5603AB0813}" type="datetimeFigureOut">
               <a:rPr lang="en-GB" smtClean="0"/>
-              <a:t>11/05/2017</a:t>
+              <a:t>12/05/2017</a:t>
             </a:fld>
             <a:endParaRPr lang="en-GB"/>
           </a:p>
@@ -610,7 +610,24 @@
           <a:bodyPr/>
           <a:lstStyle/>
           <a:p>
-            <a:endParaRPr lang="en-US" dirty="0"/>
+            <a:pPr marL="171450" indent="-171450">
+              <a:buFontTx/>
+              <a:buChar char="-"/>
+            </a:pPr>
+            <a:r>
+              <a:rPr lang="en-US" dirty="0"/>
+              <a:t>Solve people’s problems</a:t>
+            </a:r>
+          </a:p>
+          <a:p>
+            <a:pPr marL="171450" indent="-171450">
+              <a:buFontTx/>
+              <a:buChar char="-"/>
+            </a:pPr>
+            <a:r>
+              <a:rPr lang="en-US" dirty="0"/>
+              <a:t>But make sure you LOVE what you’re working on</a:t>
+            </a:r>
           </a:p>
         </p:txBody>
       </p:sp>
@@ -646,7 +663,7 @@
     </p:spTree>
     <p:extLst>
       <p:ext uri="{BB962C8B-B14F-4D97-AF65-F5344CB8AC3E}">
-        <p14:creationId xmlns:p14="http://schemas.microsoft.com/office/powerpoint/2010/main" val="1558590382"/>
+        <p14:creationId xmlns:p14="http://schemas.microsoft.com/office/powerpoint/2010/main" val="1490689601"/>
       </p:ext>
     </p:extLst>
   </p:cSld>
@@ -700,24 +717,7 @@
           <a:bodyPr/>
           <a:lstStyle/>
           <a:p>
-            <a:pPr marL="171450" indent="-171450">
-              <a:buFontTx/>
-              <a:buChar char="-"/>
-            </a:pPr>
-            <a:r>
-              <a:rPr lang="en-US" dirty="0"/>
-              <a:t>Solve people’s problems</a:t>
-            </a:r>
-          </a:p>
-          <a:p>
-            <a:pPr marL="171450" indent="-171450">
-              <a:buFontTx/>
-              <a:buChar char="-"/>
-            </a:pPr>
-            <a:r>
-              <a:rPr lang="en-US" dirty="0"/>
-              <a:t>But make sure you LOVE what you’re working on</a:t>
-            </a:r>
+            <a:endParaRPr lang="en-US" dirty="0"/>
           </a:p>
         </p:txBody>
       </p:sp>
@@ -753,7 +753,7 @@
     </p:spTree>
     <p:extLst>
       <p:ext uri="{BB962C8B-B14F-4D97-AF65-F5344CB8AC3E}">
-        <p14:creationId xmlns:p14="http://schemas.microsoft.com/office/powerpoint/2010/main" val="2919040118"/>
+        <p14:creationId xmlns:p14="http://schemas.microsoft.com/office/powerpoint/2010/main" val="1558590382"/>
       </p:ext>
     </p:extLst>
   </p:cSld>
@@ -860,7 +860,7 @@
     </p:spTree>
     <p:extLst>
       <p:ext uri="{BB962C8B-B14F-4D97-AF65-F5344CB8AC3E}">
-        <p14:creationId xmlns:p14="http://schemas.microsoft.com/office/powerpoint/2010/main" val="1490689601"/>
+        <p14:creationId xmlns:p14="http://schemas.microsoft.com/office/powerpoint/2010/main" val="2919040118"/>
       </p:ext>
     </p:extLst>
   </p:cSld>
@@ -1006,8 +1006,8 @@
         </p:nvSpPr>
         <p:spPr>
           <a:xfrm>
-            <a:off x="377825" y="685800"/>
-            <a:ext cx="6102350" cy="3429000"/>
+            <a:off x="381000" y="685800"/>
+            <a:ext cx="6096000" cy="3429000"/>
           </a:xfrm>
           <a:prstGeom prst="rect">
             <a:avLst/>
@@ -1194,7 +1194,7 @@
           <a:p>
             <a:fld id="{0E9FF321-A082-456B-A347-A910A2958839}" type="datetimeFigureOut">
               <a:rPr lang="pt-PT" smtClean="0"/>
-              <a:t>11/05/2017</a:t>
+              <a:t>12/05/2017</a:t>
             </a:fld>
             <a:endParaRPr lang="pt-PT"/>
           </a:p>
@@ -1364,7 +1364,7 @@
           <a:p>
             <a:fld id="{0E9FF321-A082-456B-A347-A910A2958839}" type="datetimeFigureOut">
               <a:rPr lang="pt-PT" smtClean="0"/>
-              <a:t>11/05/2017</a:t>
+              <a:t>12/05/2017</a:t>
             </a:fld>
             <a:endParaRPr lang="pt-PT"/>
           </a:p>
@@ -1544,7 +1544,7 @@
           <a:p>
             <a:fld id="{0E9FF321-A082-456B-A347-A910A2958839}" type="datetimeFigureOut">
               <a:rPr lang="pt-PT" smtClean="0"/>
-              <a:t>11/05/2017</a:t>
+              <a:t>12/05/2017</a:t>
             </a:fld>
             <a:endParaRPr lang="pt-PT"/>
           </a:p>
@@ -1988,7 +1988,7 @@
           </a:ln>
           <a:extLst>
             <a:ext uri="{C572A759-6A51-4108-AA02-DFA0A04FC94B}">
-              <ma14:wrappingTextBoxFlag xmlns:ma14="http://schemas.microsoft.com/office/mac/drawingml/2011/main" xmlns="" val="1"/>
+              <ma14:wrappingTextBoxFlag xmlns="" xmlns:ma14="http://schemas.microsoft.com/office/mac/drawingml/2011/main" val="1"/>
             </a:ext>
           </a:extLst>
         </p:spPr>
@@ -2159,7 +2159,7 @@
           <a:p>
             <a:fld id="{0E9FF321-A082-456B-A347-A910A2958839}" type="datetimeFigureOut">
               <a:rPr lang="pt-PT" smtClean="0"/>
-              <a:t>11/05/2017</a:t>
+              <a:t>12/05/2017</a:t>
             </a:fld>
             <a:endParaRPr lang="pt-PT"/>
           </a:p>
@@ -2405,7 +2405,7 @@
           <a:p>
             <a:fld id="{0E9FF321-A082-456B-A347-A910A2958839}" type="datetimeFigureOut">
               <a:rPr lang="pt-PT" smtClean="0"/>
-              <a:t>11/05/2017</a:t>
+              <a:t>12/05/2017</a:t>
             </a:fld>
             <a:endParaRPr lang="pt-PT"/>
           </a:p>
@@ -2637,7 +2637,7 @@
           <a:p>
             <a:fld id="{0E9FF321-A082-456B-A347-A910A2958839}" type="datetimeFigureOut">
               <a:rPr lang="pt-PT" smtClean="0"/>
-              <a:t>11/05/2017</a:t>
+              <a:t>12/05/2017</a:t>
             </a:fld>
             <a:endParaRPr lang="pt-PT"/>
           </a:p>
@@ -3004,7 +3004,7 @@
           <a:p>
             <a:fld id="{0E9FF321-A082-456B-A347-A910A2958839}" type="datetimeFigureOut">
               <a:rPr lang="pt-PT" smtClean="0"/>
-              <a:t>11/05/2017</a:t>
+              <a:t>12/05/2017</a:t>
             </a:fld>
             <a:endParaRPr lang="pt-PT"/>
           </a:p>
@@ -3122,7 +3122,7 @@
           <a:p>
             <a:fld id="{0E9FF321-A082-456B-A347-A910A2958839}" type="datetimeFigureOut">
               <a:rPr lang="pt-PT" smtClean="0"/>
-              <a:t>11/05/2017</a:t>
+              <a:t>12/05/2017</a:t>
             </a:fld>
             <a:endParaRPr lang="pt-PT"/>
           </a:p>
@@ -3217,7 +3217,7 @@
           <a:p>
             <a:fld id="{0E9FF321-A082-456B-A347-A910A2958839}" type="datetimeFigureOut">
               <a:rPr lang="pt-PT" smtClean="0"/>
-              <a:t>11/05/2017</a:t>
+              <a:t>12/05/2017</a:t>
             </a:fld>
             <a:endParaRPr lang="pt-PT"/>
           </a:p>
@@ -3494,7 +3494,7 @@
           <a:p>
             <a:fld id="{0E9FF321-A082-456B-A347-A910A2958839}" type="datetimeFigureOut">
               <a:rPr lang="pt-PT" smtClean="0"/>
-              <a:t>11/05/2017</a:t>
+              <a:t>12/05/2017</a:t>
             </a:fld>
             <a:endParaRPr lang="pt-PT"/>
           </a:p>
@@ -3747,7 +3747,7 @@
           <a:p>
             <a:fld id="{0E9FF321-A082-456B-A347-A910A2958839}" type="datetimeFigureOut">
               <a:rPr lang="pt-PT" smtClean="0"/>
-              <a:t>11/05/2017</a:t>
+              <a:t>12/05/2017</a:t>
             </a:fld>
             <a:endParaRPr lang="pt-PT"/>
           </a:p>
@@ -3970,7 +3970,7 @@
           <a:p>
             <a:fld id="{0E9FF321-A082-456B-A347-A910A2958839}" type="datetimeFigureOut">
               <a:rPr lang="pt-PT" smtClean="0"/>
-              <a:t>11/05/2017</a:t>
+              <a:t>12/05/2017</a:t>
             </a:fld>
             <a:endParaRPr lang="pt-PT"/>
           </a:p>
@@ -4363,6 +4363,20 @@
 <file path=ppt/slides/slide1.xml><?xml version="1.0" encoding="utf-8"?>
 <p:sld xmlns:a="http://schemas.openxmlformats.org/drawingml/2006/main" xmlns:r="http://schemas.openxmlformats.org/officeDocument/2006/relationships" xmlns:p="http://schemas.openxmlformats.org/presentationml/2006/main">
   <p:cSld>
+    <p:bg>
+      <p:bgPr>
+        <a:blipFill dpi="0" rotWithShape="1">
+          <a:blip r:embed="rId2">
+            <a:lum/>
+          </a:blip>
+          <a:srcRect/>
+          <a:stretch>
+            <a:fillRect t="-9000" b="-9000"/>
+          </a:stretch>
+        </a:blipFill>
+        <a:effectLst/>
+      </p:bgPr>
+    </p:bg>
     <p:spTree>
       <p:nvGrpSpPr>
         <p:cNvPr id="1" name=""/>
@@ -4511,14 +4525,20 @@
               <a:t>					</a:t>
             </a:r>
             <a:r>
-              <a:rPr lang="en-GB" sz="4000" dirty="0"/>
+              <a:rPr lang="en-GB" sz="4000" dirty="0">
+                <a:latin typeface="Bradley Hand ITC" panose="03070402050302030203" pitchFamily="66" charset="0"/>
+              </a:rPr>
               <a:t>dbatools </a:t>
             </a:r>
             <a:br>
-              <a:rPr lang="en-GB" sz="4000" dirty="0"/>
+              <a:rPr lang="en-GB" sz="4000" dirty="0">
+                <a:latin typeface="Bradley Hand ITC" panose="03070402050302030203" pitchFamily="66" charset="0"/>
+              </a:rPr>
             </a:br>
             <a:r>
-              <a:rPr lang="en-GB" sz="4000" dirty="0"/>
+              <a:rPr lang="en-GB" sz="4000" dirty="0">
+                <a:latin typeface="Bradley Hand ITC" panose="03070402050302030203" pitchFamily="66" charset="0"/>
+              </a:rPr>
               <a:t>		SQL Server and PowerShell Together</a:t>
             </a:r>
           </a:p>
@@ -4530,15 +4550,21 @@
           </a:p>
           <a:p>
             <a:r>
-              <a:rPr lang="en-GB" dirty="0"/>
+              <a:rPr lang="en-GB" dirty="0">
+                <a:latin typeface="Bradley Hand ITC" panose="03070402050302030203" pitchFamily="66" charset="0"/>
+              </a:rPr>
               <a:t>Rob Sewell 					</a:t>
             </a:r>
             <a:r>
-              <a:rPr lang="en-GB" dirty="0" err="1"/>
+              <a:rPr lang="en-GB" dirty="0" err="1">
+                <a:latin typeface="Bradley Hand ITC" panose="03070402050302030203" pitchFamily="66" charset="0"/>
+              </a:rPr>
               <a:t>Cláudio</a:t>
             </a:r>
             <a:r>
-              <a:rPr lang="en-GB" dirty="0"/>
+              <a:rPr lang="en-GB" dirty="0">
+                <a:latin typeface="Bradley Hand ITC" panose="03070402050302030203" pitchFamily="66" charset="0"/>
+              </a:rPr>
               <a:t> Silva MVP</a:t>
             </a:r>
           </a:p>
@@ -4553,7 +4579,7 @@
           <p:nvPr/>
         </p:nvPicPr>
         <p:blipFill>
-          <a:blip r:embed="rId2"/>
+          <a:blip r:embed="rId3"/>
           <a:stretch>
             <a:fillRect/>
           </a:stretch>
@@ -4583,7 +4609,7 @@
           <p:nvPr/>
         </p:nvPicPr>
         <p:blipFill>
-          <a:blip r:embed="rId3"/>
+          <a:blip r:embed="rId4"/>
           <a:stretch>
             <a:fillRect/>
           </a:stretch>
@@ -4683,7 +4709,7 @@
         <p:spPr>
           <a:xfrm>
             <a:off x="1732990" y="63995"/>
-            <a:ext cx="8594652" cy="1200329"/>
+            <a:ext cx="8594652" cy="2308324"/>
           </a:xfrm>
           <a:prstGeom prst="rect">
             <a:avLst/>
@@ -4705,7 +4731,7 @@
                     <a:lumOff val="25000"/>
                   </a:schemeClr>
                 </a:solidFill>
-                <a:latin typeface="Gill Sans MT Condensed" panose="020B0506020104020203" pitchFamily="34" charset="0"/>
+                <a:latin typeface="Algerian" panose="04020705040A02060702" pitchFamily="82" charset="0"/>
               </a:rPr>
               <a:t>THANK YOU TO OUR SPONSORS</a:t>
             </a:r>
@@ -4878,6 +4904,20 @@
 <file path=ppt/slides/slide3.xml><?xml version="1.0" encoding="utf-8"?>
 <p:sld xmlns:a="http://schemas.openxmlformats.org/drawingml/2006/main" xmlns:r="http://schemas.openxmlformats.org/officeDocument/2006/relationships" xmlns:p="http://schemas.openxmlformats.org/presentationml/2006/main">
   <p:cSld>
+    <p:bg>
+      <p:bgPr>
+        <a:blipFill dpi="0" rotWithShape="1">
+          <a:blip r:embed="rId3">
+            <a:lum/>
+          </a:blip>
+          <a:srcRect/>
+          <a:stretch>
+            <a:fillRect t="-9000" b="-9000"/>
+          </a:stretch>
+        </a:blipFill>
+        <a:effectLst/>
+      </p:bgPr>
+    </p:bg>
     <p:spTree>
       <p:nvGrpSpPr>
         <p:cNvPr id="1" name=""/>
@@ -4918,70 +4958,165 @@
             <a:r>
               <a:rPr lang="de-DE" sz="8000" dirty="0">
                 <a:solidFill>
-                  <a:schemeClr val="bg1"/>
+                  <a:srgbClr val="012456"/>
                 </a:solidFill>
-                <a:latin typeface="Franklin Gothic Book" panose="020B0503020102020204" pitchFamily="34" charset="0"/>
+                <a:latin typeface="Algerian" panose="04020705040A02060702" pitchFamily="82" charset="0"/>
               </a:rPr>
               <a:t>AGENDA</a:t>
             </a:r>
-          </a:p>
-          <a:p>
-            <a:pPr marL="0" indent="0">
-              <a:buNone/>
-            </a:pPr>
             <a:endParaRPr lang="de-DE" dirty="0">
               <a:solidFill>
                 <a:schemeClr val="bg1"/>
               </a:solidFill>
-              <a:latin typeface="Franklin Gothic Book" panose="020B0503020102020204" pitchFamily="34" charset="0"/>
+              <a:latin typeface="Algerian" panose="04020705040A02060702" pitchFamily="82" charset="0"/>
             </a:endParaRPr>
           </a:p>
           <a:p>
-            <a:r>
-              <a:rPr lang="de-DE" sz="4800" dirty="0">
+            <a:pPr lvl="2"/>
+            <a:r>
+              <a:rPr lang="de-DE" sz="4400" dirty="0">
                 <a:solidFill>
-                  <a:schemeClr val="bg1"/>
+                  <a:srgbClr val="012456"/>
                 </a:solidFill>
-                <a:latin typeface="Franklin Gothic Book" panose="020B0503020102020204" pitchFamily="34" charset="0"/>
+                <a:effectLst/>
+                <a:cs typeface="Dubai Medium" panose="020B0603030403030204" pitchFamily="34" charset="-78"/>
               </a:rPr>
               <a:t>Overview</a:t>
             </a:r>
           </a:p>
           <a:p>
-            <a:r>
-              <a:rPr lang="de-DE" sz="4800" dirty="0">
+            <a:pPr lvl="2"/>
+            <a:r>
+              <a:rPr lang="de-DE" sz="4400" dirty="0">
                 <a:solidFill>
-                  <a:schemeClr val="bg1"/>
+                  <a:srgbClr val="012456"/>
                 </a:solidFill>
-                <a:latin typeface="Franklin Gothic Book" panose="020B0503020102020204" pitchFamily="34" charset="0"/>
+                <a:effectLst/>
+                <a:cs typeface="Dubai Medium" panose="020B0603030403030204" pitchFamily="34" charset="-78"/>
               </a:rPr>
               <a:t>Requirements</a:t>
             </a:r>
           </a:p>
           <a:p>
-            <a:r>
-              <a:rPr lang="de-DE" sz="4800" dirty="0">
+            <a:pPr lvl="2"/>
+            <a:r>
+              <a:rPr lang="de-DE" sz="4400" dirty="0">
                 <a:solidFill>
-                  <a:schemeClr val="bg1"/>
+                  <a:srgbClr val="012456"/>
                 </a:solidFill>
-                <a:latin typeface="Franklin Gothic Book" panose="020B0503020102020204" pitchFamily="34" charset="0"/>
+                <a:effectLst/>
+                <a:cs typeface="Dubai Medium" panose="020B0603030403030204" pitchFamily="34" charset="-78"/>
               </a:rPr>
               <a:t>Demos, Demos, Demos</a:t>
             </a:r>
           </a:p>
           <a:p>
-            <a:r>
-              <a:rPr lang="de-DE" sz="4800" dirty="0">
+            <a:pPr lvl="2"/>
+            <a:r>
+              <a:rPr lang="de-DE" sz="4400" dirty="0">
                 <a:solidFill>
-                  <a:schemeClr val="bg1"/>
+                  <a:srgbClr val="012456"/>
                 </a:solidFill>
-                <a:latin typeface="Franklin Gothic Book" panose="020B0503020102020204" pitchFamily="34" charset="0"/>
+                <a:effectLst/>
+                <a:cs typeface="Dubai Medium" panose="020B0603030403030204" pitchFamily="34" charset="-78"/>
               </a:rPr>
               <a:t>Questions</a:t>
             </a:r>
           </a:p>
         </p:txBody>
       </p:sp>
+      <p:sp>
+        <p:nvSpPr>
+          <p:cNvPr id="4" name="Shape 286"/>
+          <p:cNvSpPr/>
+          <p:nvPr/>
+        </p:nvSpPr>
+        <p:spPr>
+          <a:xfrm>
+            <a:off x="0" y="6320235"/>
+            <a:ext cx="12192518" cy="537765"/>
+          </a:xfrm>
+          <a:prstGeom prst="rect">
+            <a:avLst/>
+          </a:prstGeom>
+          <a:solidFill>
+            <a:schemeClr val="accent5"/>
+          </a:solidFill>
+          <a:ln w="12700">
+            <a:miter lim="400000"/>
+          </a:ln>
+        </p:spPr>
+        <p:txBody>
+          <a:bodyPr lIns="143465" tIns="143465" rIns="143465" bIns="143465" anchor="ctr"/>
+          <a:lstStyle/>
+          <a:p>
+            <a:pPr algn="ctr" defTabSz="761268">
+              <a:lnSpc>
+                <a:spcPct val="90000"/>
+              </a:lnSpc>
+              <a:defRPr sz="2400">
+                <a:ln w="9525">
+                  <a:solidFill>
+                    <a:srgbClr val="FFFFFF">
+                      <a:alpha val="0"/>
+                    </a:srgbClr>
+                  </a:solidFill>
+                </a:ln>
+                <a:solidFill>
+                  <a:srgbClr val="FFFFFF"/>
+                </a:solidFill>
+                <a:latin typeface="Segoe UI Light"/>
+                <a:ea typeface="Segoe UI Light"/>
+                <a:cs typeface="Segoe UI Light"/>
+                <a:sym typeface="Segoe UI Light"/>
+              </a:defRPr>
+            </a:pPr>
+            <a:r>
+              <a:rPr lang="en-US" sz="1200" dirty="0"/>
+              <a:t>dbatools.io  |  powershell.sqlpass.org   |   sqlps.io/vote   |   sqlps.io/</a:t>
+            </a:r>
+            <a:r>
+              <a:rPr lang="en-US" sz="1200" dirty="0" err="1"/>
+              <a:t>youtube</a:t>
+            </a:r>
+            <a:r>
+              <a:rPr lang="en-US" sz="1200" dirty="0"/>
+              <a:t>   |   sqlps.io/slack</a:t>
+            </a:r>
+            <a:endParaRPr sz="1200" dirty="0"/>
+          </a:p>
+        </p:txBody>
+      </p:sp>
+      <p:pic>
+        <p:nvPicPr>
+          <p:cNvPr id="5" name="Picture 4"/>
+          <p:cNvPicPr>
+            <a:picLocks noChangeAspect="1"/>
+          </p:cNvPicPr>
+          <p:nvPr/>
+        </p:nvPicPr>
+        <p:blipFill>
+          <a:blip r:embed="rId4">
+            <a:extLst>
+              <a:ext uri="{28A0092B-C50C-407E-A947-70E740481C1C}">
+                <a14:useLocalDpi xmlns:a14="http://schemas.microsoft.com/office/drawing/2010/main" val="0"/>
+              </a:ext>
+            </a:extLst>
+          </a:blip>
+          <a:stretch>
+            <a:fillRect/>
+          </a:stretch>
+        </p:blipFill>
+        <p:spPr>
+          <a:xfrm>
+            <a:off x="11126009" y="5781675"/>
+            <a:ext cx="1088709" cy="1080000"/>
+          </a:xfrm>
+          <a:prstGeom prst="rect">
+            <a:avLst/>
+          </a:prstGeom>
+        </p:spPr>
+      </p:pic>
     </p:spTree>
     <p:extLst>
       <p:ext uri="{BB962C8B-B14F-4D97-AF65-F5344CB8AC3E}">
@@ -5010,6 +5145,20 @@
 <file path=ppt/slides/slide4.xml><?xml version="1.0" encoding="utf-8"?>
 <p:sld xmlns:a="http://schemas.openxmlformats.org/drawingml/2006/main" xmlns:r="http://schemas.openxmlformats.org/officeDocument/2006/relationships" xmlns:p="http://schemas.openxmlformats.org/presentationml/2006/main">
   <p:cSld>
+    <p:bg>
+      <p:bgPr>
+        <a:blipFill dpi="0" rotWithShape="1">
+          <a:blip r:embed="rId3">
+            <a:lum/>
+          </a:blip>
+          <a:srcRect/>
+          <a:stretch>
+            <a:fillRect t="-9000" b="-9000"/>
+          </a:stretch>
+        </a:blipFill>
+        <a:effectLst/>
+      </p:bgPr>
+    </p:bg>
     <p:spTree>
       <p:nvGrpSpPr>
         <p:cNvPr id="1" name=""/>
@@ -5024,6 +5173,246 @@
           <a:chExt cx="0" cy="0"/>
         </a:xfrm>
       </p:grpSpPr>
+      <p:pic>
+        <p:nvPicPr>
+          <p:cNvPr id="4" name="Picture 3"/>
+          <p:cNvPicPr>
+            <a:picLocks noChangeAspect="1"/>
+          </p:cNvPicPr>
+          <p:nvPr/>
+        </p:nvPicPr>
+        <p:blipFill>
+          <a:blip r:embed="rId4"/>
+          <a:stretch>
+            <a:fillRect/>
+          </a:stretch>
+        </p:blipFill>
+        <p:spPr>
+          <a:xfrm>
+            <a:off x="1740519" y="1173192"/>
+            <a:ext cx="8899564" cy="4498604"/>
+          </a:xfrm>
+          <a:prstGeom prst="rect">
+            <a:avLst/>
+          </a:prstGeom>
+        </p:spPr>
+      </p:pic>
+      <p:sp>
+        <p:nvSpPr>
+          <p:cNvPr id="5" name="TextBox 4"/>
+          <p:cNvSpPr txBox="1"/>
+          <p:nvPr/>
+        </p:nvSpPr>
+        <p:spPr>
+          <a:xfrm>
+            <a:off x="74763" y="79531"/>
+            <a:ext cx="5227607" cy="769441"/>
+          </a:xfrm>
+          <a:prstGeom prst="rect">
+            <a:avLst/>
+          </a:prstGeom>
+          <a:noFill/>
+        </p:spPr>
+        <p:txBody>
+          <a:bodyPr wrap="square" rtlCol="0">
+            <a:spAutoFit/>
+          </a:bodyPr>
+          <a:lstStyle/>
+          <a:p>
+            <a:r>
+              <a:rPr lang="en-GB" sz="4400" dirty="0">
+                <a:solidFill>
+                  <a:srgbClr val="012456"/>
+                </a:solidFill>
+                <a:latin typeface="Algerian" panose="04020705040A02060702" pitchFamily="82" charset="0"/>
+              </a:rPr>
+              <a:t>Visit the website</a:t>
+            </a:r>
+          </a:p>
+        </p:txBody>
+      </p:sp>
+      <p:sp>
+        <p:nvSpPr>
+          <p:cNvPr id="6" name="TextBox 5"/>
+          <p:cNvSpPr txBox="1"/>
+          <p:nvPr/>
+        </p:nvSpPr>
+        <p:spPr>
+          <a:xfrm>
+            <a:off x="4401321" y="5819955"/>
+            <a:ext cx="7683260" cy="584775"/>
+          </a:xfrm>
+          <a:prstGeom prst="rect">
+            <a:avLst/>
+          </a:prstGeom>
+          <a:noFill/>
+        </p:spPr>
+        <p:txBody>
+          <a:bodyPr wrap="square" rtlCol="0">
+            <a:spAutoFit/>
+          </a:bodyPr>
+          <a:lstStyle/>
+          <a:p>
+            <a:r>
+              <a:rPr lang="en-GB" sz="3200" dirty="0">
+                <a:solidFill>
+                  <a:srgbClr val="012456"/>
+                </a:solidFill>
+                <a:latin typeface="Franklin Gothic Book" panose="020B0503020102020204" pitchFamily="34" charset="0"/>
+              </a:rPr>
+              <a:t>https://dbatools.io</a:t>
+            </a:r>
+          </a:p>
+        </p:txBody>
+      </p:sp>
+      <p:sp>
+        <p:nvSpPr>
+          <p:cNvPr id="7" name="Shape 286"/>
+          <p:cNvSpPr/>
+          <p:nvPr/>
+        </p:nvSpPr>
+        <p:spPr>
+          <a:xfrm>
+            <a:off x="0" y="6320235"/>
+            <a:ext cx="12192518" cy="537765"/>
+          </a:xfrm>
+          <a:prstGeom prst="rect">
+            <a:avLst/>
+          </a:prstGeom>
+          <a:solidFill>
+            <a:schemeClr val="accent5"/>
+          </a:solidFill>
+          <a:ln w="12700">
+            <a:miter lim="400000"/>
+          </a:ln>
+        </p:spPr>
+        <p:txBody>
+          <a:bodyPr lIns="143465" tIns="143465" rIns="143465" bIns="143465" anchor="ctr"/>
+          <a:lstStyle/>
+          <a:p>
+            <a:pPr algn="ctr" defTabSz="761268">
+              <a:lnSpc>
+                <a:spcPct val="90000"/>
+              </a:lnSpc>
+              <a:defRPr sz="2400">
+                <a:ln w="9525">
+                  <a:solidFill>
+                    <a:srgbClr val="FFFFFF">
+                      <a:alpha val="0"/>
+                    </a:srgbClr>
+                  </a:solidFill>
+                </a:ln>
+                <a:solidFill>
+                  <a:srgbClr val="FFFFFF"/>
+                </a:solidFill>
+                <a:latin typeface="Segoe UI Light"/>
+                <a:ea typeface="Segoe UI Light"/>
+                <a:cs typeface="Segoe UI Light"/>
+                <a:sym typeface="Segoe UI Light"/>
+              </a:defRPr>
+            </a:pPr>
+            <a:r>
+              <a:rPr lang="en-US" sz="1200" dirty="0"/>
+              <a:t>dbatools.io  |  powershell.sqlpass.org   |   sqlps.io/vote   |   sqlps.io/</a:t>
+            </a:r>
+            <a:r>
+              <a:rPr lang="en-US" sz="1200" dirty="0" err="1"/>
+              <a:t>youtube</a:t>
+            </a:r>
+            <a:r>
+              <a:rPr lang="en-US" sz="1200" dirty="0"/>
+              <a:t>   |   sqlps.io/slack</a:t>
+            </a:r>
+            <a:endParaRPr sz="1200" dirty="0"/>
+          </a:p>
+        </p:txBody>
+      </p:sp>
+      <p:pic>
+        <p:nvPicPr>
+          <p:cNvPr id="8" name="Picture 7"/>
+          <p:cNvPicPr>
+            <a:picLocks noChangeAspect="1"/>
+          </p:cNvPicPr>
+          <p:nvPr/>
+        </p:nvPicPr>
+        <p:blipFill>
+          <a:blip r:embed="rId5">
+            <a:extLst>
+              <a:ext uri="{28A0092B-C50C-407E-A947-70E740481C1C}">
+                <a14:useLocalDpi xmlns:a14="http://schemas.microsoft.com/office/drawing/2010/main" val="0"/>
+              </a:ext>
+            </a:extLst>
+          </a:blip>
+          <a:stretch>
+            <a:fillRect/>
+          </a:stretch>
+        </p:blipFill>
+        <p:spPr>
+          <a:xfrm>
+            <a:off x="11126009" y="5781675"/>
+            <a:ext cx="1088709" cy="1080000"/>
+          </a:xfrm>
+          <a:prstGeom prst="rect">
+            <a:avLst/>
+          </a:prstGeom>
+        </p:spPr>
+      </p:pic>
+    </p:spTree>
+    <p:extLst>
+      <p:ext uri="{BB962C8B-B14F-4D97-AF65-F5344CB8AC3E}">
+        <p14:creationId xmlns:p14="http://schemas.microsoft.com/office/powerpoint/2010/main" val="1933875055"/>
+      </p:ext>
+    </p:extLst>
+  </p:cSld>
+  <p:clrMapOvr>
+    <a:masterClrMapping/>
+  </p:clrMapOvr>
+  <mc:AlternateContent xmlns:mc="http://schemas.openxmlformats.org/markup-compatibility/2006" xmlns:p14="http://schemas.microsoft.com/office/powerpoint/2010/main">
+    <mc:Choice Requires="p14">
+      <p:transition spd="med" p14:dur="700">
+        <p:fade/>
+      </p:transition>
+    </mc:Choice>
+    <mc:Fallback xmlns="">
+      <p:transition spd="med">
+        <p:fade/>
+      </p:transition>
+    </mc:Fallback>
+  </mc:AlternateContent>
+</p:sld>
+</file>
+
+<file path=ppt/slides/slide5.xml><?xml version="1.0" encoding="utf-8"?>
+<p:sld xmlns:a="http://schemas.openxmlformats.org/drawingml/2006/main" xmlns:r="http://schemas.openxmlformats.org/officeDocument/2006/relationships" xmlns:p="http://schemas.openxmlformats.org/presentationml/2006/main">
+  <p:cSld>
+    <p:bg>
+      <p:bgPr>
+        <a:blipFill dpi="0" rotWithShape="1">
+          <a:blip r:embed="rId3">
+            <a:lum/>
+          </a:blip>
+          <a:srcRect/>
+          <a:stretch>
+            <a:fillRect t="-9000" b="-9000"/>
+          </a:stretch>
+        </a:blipFill>
+        <a:effectLst/>
+      </p:bgPr>
+    </p:bg>
+    <p:spTree>
+      <p:nvGrpSpPr>
+        <p:cNvPr id="1" name=""/>
+        <p:cNvGrpSpPr/>
+        <p:nvPr/>
+      </p:nvGrpSpPr>
+      <p:grpSpPr>
+        <a:xfrm>
+          <a:off x="0" y="0"/>
+          <a:ext cx="0" cy="0"/>
+          <a:chOff x="0" y="0"/>
+          <a:chExt cx="0" cy="0"/>
+        </a:xfrm>
+      </p:grpSpPr>
       <p:sp>
         <p:nvSpPr>
           <p:cNvPr id="8" name="Rectangle 7"/>
@@ -5056,34 +5445,38 @@
             <a:r>
               <a:rPr lang="en-US" sz="3200" b="1" u="sng" dirty="0">
                 <a:solidFill>
-                  <a:schemeClr val="bg1"/>
+                  <a:srgbClr val="012456"/>
                 </a:solidFill>
-                <a:latin typeface="Franklin Gothic Book" panose="020B0503020102020204" pitchFamily="34" charset="0"/>
+                <a:latin typeface="Calibri" panose="020F0502020204030204" pitchFamily="34" charset="0"/>
+                <a:cs typeface="Calibri" panose="020F0502020204030204" pitchFamily="34" charset="0"/>
               </a:rPr>
               <a:t>Minimum</a:t>
             </a:r>
             <a:br>
               <a:rPr lang="en-US" sz="3200" b="1" u="sng" dirty="0">
                 <a:solidFill>
-                  <a:schemeClr val="bg1"/>
+                  <a:srgbClr val="012456"/>
                 </a:solidFill>
-                <a:latin typeface="Franklin Gothic Book" panose="020B0503020102020204" pitchFamily="34" charset="0"/>
+                <a:latin typeface="Calibri" panose="020F0502020204030204" pitchFamily="34" charset="0"/>
+                <a:cs typeface="Calibri" panose="020F0502020204030204" pitchFamily="34" charset="0"/>
               </a:rPr>
             </a:br>
             <a:r>
               <a:rPr lang="en-US" sz="1600" b="1" u="sng" dirty="0">
                 <a:solidFill>
-                  <a:schemeClr val="bg1"/>
+                  <a:srgbClr val="012456"/>
                 </a:solidFill>
-                <a:latin typeface="Franklin Gothic Book" panose="020B0503020102020204" pitchFamily="34" charset="0"/>
+                <a:latin typeface="Calibri" panose="020F0502020204030204" pitchFamily="34" charset="0"/>
+                <a:cs typeface="Calibri" panose="020F0502020204030204" pitchFamily="34" charset="0"/>
               </a:rPr>
               <a:t> </a:t>
             </a:r>
             <a:endParaRPr lang="en-US" sz="3200" b="1" u="sng" dirty="0">
               <a:solidFill>
-                <a:schemeClr val="bg1"/>
+                <a:srgbClr val="012456"/>
               </a:solidFill>
-              <a:latin typeface="Franklin Gothic Book" panose="020B0503020102020204" pitchFamily="34" charset="0"/>
+              <a:latin typeface="Calibri" panose="020F0502020204030204" pitchFamily="34" charset="0"/>
+              <a:cs typeface="Calibri" panose="020F0502020204030204" pitchFamily="34" charset="0"/>
             </a:endParaRPr>
           </a:p>
           <a:p>
@@ -5098,9 +5491,10 @@
             <a:r>
               <a:rPr lang="en-US" sz="2000" dirty="0">
                 <a:solidFill>
-                  <a:schemeClr val="bg1"/>
+                  <a:srgbClr val="012456"/>
                 </a:solidFill>
-                <a:latin typeface="Franklin Gothic Book" panose="020B0503020102020204" pitchFamily="34" charset="0"/>
+                <a:latin typeface="Calibri" panose="020F0502020204030204" pitchFamily="34" charset="0"/>
+                <a:cs typeface="Calibri" panose="020F0502020204030204" pitchFamily="34" charset="0"/>
               </a:rPr>
               <a:t>Client</a:t>
             </a:r>
@@ -5119,9 +5513,10 @@
             <a:r>
               <a:rPr lang="en-US" sz="2000" dirty="0">
                 <a:solidFill>
-                  <a:schemeClr val="bg1"/>
+                  <a:srgbClr val="012456"/>
                 </a:solidFill>
-                <a:latin typeface="Franklin Gothic Book" panose="020B0503020102020204" pitchFamily="34" charset="0"/>
+                <a:latin typeface="Calibri" panose="020F0502020204030204" pitchFamily="34" charset="0"/>
+                <a:cs typeface="Calibri" panose="020F0502020204030204" pitchFamily="34" charset="0"/>
               </a:rPr>
               <a:t>PowerShell v3</a:t>
             </a:r>
@@ -5140,9 +5535,10 @@
             <a:r>
               <a:rPr lang="en-US" sz="2000" dirty="0">
                 <a:solidFill>
-                  <a:schemeClr val="bg1"/>
+                  <a:srgbClr val="012456"/>
                 </a:solidFill>
-                <a:latin typeface="Franklin Gothic Book" panose="020B0503020102020204" pitchFamily="34" charset="0"/>
+                <a:latin typeface="Calibri" panose="020F0502020204030204" pitchFamily="34" charset="0"/>
+                <a:cs typeface="Calibri" panose="020F0502020204030204" pitchFamily="34" charset="0"/>
               </a:rPr>
               <a:t>SQL Server Management Studio 2008 R2</a:t>
             </a:r>
@@ -5160,9 +5556,10 @@
             </a:pPr>
             <a:endParaRPr lang="en-US" sz="2000" dirty="0">
               <a:solidFill>
-                <a:schemeClr val="bg1"/>
+                <a:srgbClr val="012456"/>
               </a:solidFill>
-              <a:latin typeface="Franklin Gothic Book" panose="020B0503020102020204" pitchFamily="34" charset="0"/>
+              <a:latin typeface="Calibri" panose="020F0502020204030204" pitchFamily="34" charset="0"/>
+              <a:cs typeface="Calibri" panose="020F0502020204030204" pitchFamily="34" charset="0"/>
             </a:endParaRPr>
           </a:p>
           <a:p>
@@ -5177,9 +5574,10 @@
             <a:r>
               <a:rPr lang="en-US" sz="2000" dirty="0">
                 <a:solidFill>
-                  <a:schemeClr val="bg1"/>
+                  <a:srgbClr val="012456"/>
                 </a:solidFill>
-                <a:latin typeface="Franklin Gothic Book" panose="020B0503020102020204" pitchFamily="34" charset="0"/>
+                <a:latin typeface="Calibri" panose="020F0502020204030204" pitchFamily="34" charset="0"/>
+                <a:cs typeface="Calibri" panose="020F0502020204030204" pitchFamily="34" charset="0"/>
               </a:rPr>
               <a:t>Server</a:t>
             </a:r>
@@ -5198,9 +5596,10 @@
             <a:r>
               <a:rPr lang="en-US" sz="2000" dirty="0">
                 <a:solidFill>
-                  <a:schemeClr val="bg1"/>
+                  <a:srgbClr val="012456"/>
                 </a:solidFill>
-                <a:latin typeface="Franklin Gothic Book" panose="020B0503020102020204" pitchFamily="34" charset="0"/>
+                <a:latin typeface="Calibri" panose="020F0502020204030204" pitchFamily="34" charset="0"/>
+                <a:cs typeface="Calibri" panose="020F0502020204030204" pitchFamily="34" charset="0"/>
               </a:rPr>
               <a:t>SQL Server 2000</a:t>
             </a:r>
@@ -5219,9 +5618,10 @@
             <a:r>
               <a:rPr lang="en-US" sz="2000" dirty="0">
                 <a:solidFill>
-                  <a:schemeClr val="bg1"/>
+                  <a:srgbClr val="012456"/>
                 </a:solidFill>
-                <a:latin typeface="Franklin Gothic Book" panose="020B0503020102020204" pitchFamily="34" charset="0"/>
+                <a:latin typeface="Calibri" panose="020F0502020204030204" pitchFamily="34" charset="0"/>
+                <a:cs typeface="Calibri" panose="020F0502020204030204" pitchFamily="34" charset="0"/>
               </a:rPr>
               <a:t>No PowerShell for pure SQL commands</a:t>
             </a:r>
@@ -5240,17 +5640,19 @@
             <a:r>
               <a:rPr lang="en-US" sz="2000" dirty="0">
                 <a:solidFill>
-                  <a:schemeClr val="bg1"/>
+                  <a:srgbClr val="012456"/>
                 </a:solidFill>
-                <a:latin typeface="Franklin Gothic Book" panose="020B0503020102020204" pitchFamily="34" charset="0"/>
+                <a:latin typeface="Calibri" panose="020F0502020204030204" pitchFamily="34" charset="0"/>
+                <a:cs typeface="Calibri" panose="020F0502020204030204" pitchFamily="34" charset="0"/>
               </a:rPr>
               <a:t>PowerShell v2 for Windows commands</a:t>
             </a:r>
             <a:endParaRPr lang="en-US" sz="2400" dirty="0">
               <a:solidFill>
-                <a:schemeClr val="bg1"/>
+                <a:srgbClr val="012456"/>
               </a:solidFill>
-              <a:latin typeface="Franklin Gothic Book" panose="020B0503020102020204" pitchFamily="34" charset="0"/>
+              <a:latin typeface="Calibri" panose="020F0502020204030204" pitchFamily="34" charset="0"/>
+              <a:cs typeface="Calibri" panose="020F0502020204030204" pitchFamily="34" charset="0"/>
             </a:endParaRPr>
           </a:p>
           <a:p>
@@ -5298,25 +5700,28 @@
             <a:r>
               <a:rPr lang="en-US" sz="3200" b="1" u="sng" dirty="0">
                 <a:solidFill>
-                  <a:schemeClr val="bg1"/>
+                  <a:srgbClr val="012456"/>
                 </a:solidFill>
-                <a:latin typeface="Franklin Gothic Book" panose="020B0503020102020204" pitchFamily="34" charset="0"/>
+                <a:latin typeface="Calibri" panose="020F0502020204030204" pitchFamily="34" charset="0"/>
+                <a:cs typeface="Calibri" panose="020F0502020204030204" pitchFamily="34" charset="0"/>
               </a:rPr>
               <a:t>Recommended</a:t>
             </a:r>
             <a:br>
               <a:rPr lang="en-US" sz="3200" b="1" u="sng" dirty="0">
                 <a:solidFill>
-                  <a:schemeClr val="bg1"/>
+                  <a:srgbClr val="012456"/>
                 </a:solidFill>
-                <a:latin typeface="Franklin Gothic Book" panose="020B0503020102020204" pitchFamily="34" charset="0"/>
+                <a:latin typeface="Calibri" panose="020F0502020204030204" pitchFamily="34" charset="0"/>
+                <a:cs typeface="Calibri" panose="020F0502020204030204" pitchFamily="34" charset="0"/>
               </a:rPr>
             </a:br>
             <a:endParaRPr lang="en-US" sz="1600" b="1" u="sng" dirty="0">
               <a:solidFill>
-                <a:schemeClr val="bg1"/>
+                <a:srgbClr val="012456"/>
               </a:solidFill>
-              <a:latin typeface="Franklin Gothic Book" panose="020B0503020102020204" pitchFamily="34" charset="0"/>
+              <a:latin typeface="Calibri" panose="020F0502020204030204" pitchFamily="34" charset="0"/>
+              <a:cs typeface="Calibri" panose="020F0502020204030204" pitchFamily="34" charset="0"/>
             </a:endParaRPr>
           </a:p>
           <a:p>
@@ -5331,9 +5736,10 @@
             <a:r>
               <a:rPr lang="en-US" sz="2000" dirty="0">
                 <a:solidFill>
-                  <a:schemeClr val="bg1"/>
+                  <a:srgbClr val="012456"/>
                 </a:solidFill>
-                <a:latin typeface="Franklin Gothic Book" panose="020B0503020102020204" pitchFamily="34" charset="0"/>
+                <a:latin typeface="Calibri" panose="020F0502020204030204" pitchFamily="34" charset="0"/>
+                <a:cs typeface="Calibri" panose="020F0502020204030204" pitchFamily="34" charset="0"/>
               </a:rPr>
               <a:t>Client</a:t>
             </a:r>
@@ -5352,9 +5758,10 @@
             <a:r>
               <a:rPr lang="en-US" sz="2000" dirty="0">
                 <a:solidFill>
-                  <a:schemeClr val="bg1"/>
+                  <a:srgbClr val="012456"/>
                 </a:solidFill>
-                <a:latin typeface="Franklin Gothic Book" panose="020B0503020102020204" pitchFamily="34" charset="0"/>
+                <a:latin typeface="Calibri" panose="020F0502020204030204" pitchFamily="34" charset="0"/>
+                <a:cs typeface="Calibri" panose="020F0502020204030204" pitchFamily="34" charset="0"/>
               </a:rPr>
               <a:t>PowerShell v5</a:t>
             </a:r>
@@ -5373,9 +5780,10 @@
             <a:r>
               <a:rPr lang="en-US" sz="2000" dirty="0">
                 <a:solidFill>
-                  <a:schemeClr val="bg1"/>
+                  <a:srgbClr val="012456"/>
                 </a:solidFill>
-                <a:latin typeface="Franklin Gothic Book" panose="020B0503020102020204" pitchFamily="34" charset="0"/>
+                <a:latin typeface="Calibri" panose="020F0502020204030204" pitchFamily="34" charset="0"/>
+                <a:cs typeface="Calibri" panose="020F0502020204030204" pitchFamily="34" charset="0"/>
               </a:rPr>
               <a:t>SQL Server Management Studio 2012+</a:t>
             </a:r>
@@ -5393,9 +5801,10 @@
             </a:pPr>
             <a:endParaRPr lang="en-US" sz="2000" dirty="0">
               <a:solidFill>
-                <a:schemeClr val="bg1"/>
+                <a:srgbClr val="012456"/>
               </a:solidFill>
-              <a:latin typeface="Franklin Gothic Book" panose="020B0503020102020204" pitchFamily="34" charset="0"/>
+              <a:latin typeface="Calibri" panose="020F0502020204030204" pitchFamily="34" charset="0"/>
+              <a:cs typeface="Calibri" panose="020F0502020204030204" pitchFamily="34" charset="0"/>
             </a:endParaRPr>
           </a:p>
           <a:p>
@@ -5410,9 +5819,10 @@
             <a:r>
               <a:rPr lang="en-US" sz="2000" dirty="0">
                 <a:solidFill>
-                  <a:schemeClr val="bg1"/>
+                  <a:srgbClr val="012456"/>
                 </a:solidFill>
-                <a:latin typeface="Franklin Gothic Book" panose="020B0503020102020204" pitchFamily="34" charset="0"/>
+                <a:latin typeface="Calibri" panose="020F0502020204030204" pitchFamily="34" charset="0"/>
+                <a:cs typeface="Calibri" panose="020F0502020204030204" pitchFamily="34" charset="0"/>
               </a:rPr>
               <a:t>Server</a:t>
             </a:r>
@@ -5431,9 +5841,10 @@
             <a:r>
               <a:rPr lang="en-US" sz="2000" dirty="0">
                 <a:solidFill>
-                  <a:schemeClr val="bg1"/>
+                  <a:srgbClr val="012456"/>
                 </a:solidFill>
-                <a:latin typeface="Franklin Gothic Book" panose="020B0503020102020204" pitchFamily="34" charset="0"/>
+                <a:latin typeface="Calibri" panose="020F0502020204030204" pitchFamily="34" charset="0"/>
+                <a:cs typeface="Calibri" panose="020F0502020204030204" pitchFamily="34" charset="0"/>
               </a:rPr>
               <a:t>SQL Server 2005+</a:t>
             </a:r>
@@ -5447,7 +5858,11 @@
                 <a:sym typeface="Segoe UI Semilight"/>
               </a:defRPr>
             </a:pPr>
-            <a:endParaRPr lang="en-US" sz="2400" dirty="0"/>
+            <a:endParaRPr lang="en-US" sz="2400" dirty="0">
+              <a:solidFill>
+                <a:srgbClr val="012456"/>
+              </a:solidFill>
+            </a:endParaRPr>
           </a:p>
           <a:p>
             <a:pPr marL="342900" lvl="3" indent="-342900">
@@ -5460,7 +5875,11 @@
                 <a:sym typeface="Segoe UI Semilight"/>
               </a:defRPr>
             </a:pPr>
-            <a:endParaRPr lang="en-US" sz="2400" dirty="0"/>
+            <a:endParaRPr lang="en-US" sz="2400" dirty="0">
+              <a:solidFill>
+                <a:srgbClr val="012456"/>
+              </a:solidFill>
+            </a:endParaRPr>
           </a:p>
           <a:p>
             <a:pPr>
@@ -5484,7 +5903,7 @@
         <p:spPr>
           <a:xfrm>
             <a:off x="230038" y="264543"/>
-            <a:ext cx="4456981" cy="646331"/>
+            <a:ext cx="5618671" cy="646331"/>
           </a:xfrm>
           <a:prstGeom prst="rect">
             <a:avLst/>
@@ -5500,15 +5919,107 @@
             <a:r>
               <a:rPr lang="en-GB" sz="3600" dirty="0">
                 <a:solidFill>
-                  <a:schemeClr val="bg1"/>
+                  <a:srgbClr val="012456"/>
                 </a:solidFill>
-                <a:latin typeface="Franklin Gothic Book" panose="020B0503020102020204" pitchFamily="34" charset="0"/>
+                <a:latin typeface="Algerian" panose="04020705040A02060702" pitchFamily="82" charset="0"/>
               </a:rPr>
               <a:t>System Requirements</a:t>
             </a:r>
           </a:p>
         </p:txBody>
       </p:sp>
+      <p:sp>
+        <p:nvSpPr>
+          <p:cNvPr id="5" name="Shape 286"/>
+          <p:cNvSpPr/>
+          <p:nvPr/>
+        </p:nvSpPr>
+        <p:spPr>
+          <a:xfrm>
+            <a:off x="0" y="6320235"/>
+            <a:ext cx="12192518" cy="537765"/>
+          </a:xfrm>
+          <a:prstGeom prst="rect">
+            <a:avLst/>
+          </a:prstGeom>
+          <a:solidFill>
+            <a:schemeClr val="accent5"/>
+          </a:solidFill>
+          <a:ln w="12700">
+            <a:miter lim="400000"/>
+          </a:ln>
+        </p:spPr>
+        <p:txBody>
+          <a:bodyPr lIns="143465" tIns="143465" rIns="143465" bIns="143465" anchor="ctr"/>
+          <a:lstStyle/>
+          <a:p>
+            <a:pPr algn="ctr" defTabSz="761268">
+              <a:lnSpc>
+                <a:spcPct val="90000"/>
+              </a:lnSpc>
+              <a:defRPr sz="2400">
+                <a:ln w="9525">
+                  <a:solidFill>
+                    <a:srgbClr val="FFFFFF">
+                      <a:alpha val="0"/>
+                    </a:srgbClr>
+                  </a:solidFill>
+                </a:ln>
+                <a:solidFill>
+                  <a:srgbClr val="FFFFFF"/>
+                </a:solidFill>
+                <a:latin typeface="Segoe UI Light"/>
+                <a:ea typeface="Segoe UI Light"/>
+                <a:cs typeface="Segoe UI Light"/>
+                <a:sym typeface="Segoe UI Light"/>
+              </a:defRPr>
+            </a:pPr>
+            <a:r>
+              <a:rPr lang="en-US" sz="1200" dirty="0"/>
+              <a:t>dbatools.io  |  powershell.sqlpass.org   |   sqlps.io/vote   |   sqlps.io/</a:t>
+            </a:r>
+            <a:r>
+              <a:rPr lang="en-US" sz="1200" dirty="0" err="1"/>
+              <a:t>youtube</a:t>
+            </a:r>
+            <a:r>
+              <a:rPr lang="en-US" sz="1200" dirty="0"/>
+              <a:t>   |   sqlps.io/slack</a:t>
+            </a:r>
+            <a:endParaRPr sz="1200" dirty="0"/>
+          </a:p>
+        </p:txBody>
+      </p:sp>
+      <p:pic>
+        <p:nvPicPr>
+          <p:cNvPr id="6" name="Picture 5"/>
+          <p:cNvPicPr>
+            <a:picLocks noChangeAspect="1"/>
+          </p:cNvPicPr>
+          <p:nvPr/>
+        </p:nvPicPr>
+        <p:blipFill>
+          <a:blip r:embed="rId4">
+            <a:extLst>
+              <a:ext uri="{28A0092B-C50C-407E-A947-70E740481C1C}">
+                <a14:useLocalDpi xmlns:a14="http://schemas.microsoft.com/office/drawing/2010/main" val="0"/>
+              </a:ext>
+            </a:extLst>
+          </a:blip>
+          <a:stretch>
+            <a:fillRect/>
+          </a:stretch>
+        </p:blipFill>
+        <p:spPr>
+          <a:xfrm>
+            <a:off x="11126009" y="5781675"/>
+            <a:ext cx="1088709" cy="1080000"/>
+          </a:xfrm>
+          <a:prstGeom prst="rect">
+            <a:avLst/>
+          </a:prstGeom>
+        </p:spPr>
+      </p:pic>
     </p:spTree>
     <p:extLst>
       <p:ext uri="{BB962C8B-B14F-4D97-AF65-F5344CB8AC3E}">
@@ -5612,9 +6123,23 @@
 </p:sld>
 </file>
 
-<file path=ppt/slides/slide5.xml><?xml version="1.0" encoding="utf-8"?>
+<file path=ppt/slides/slide6.xml><?xml version="1.0" encoding="utf-8"?>
 <p:sld xmlns:a="http://schemas.openxmlformats.org/drawingml/2006/main" xmlns:r="http://schemas.openxmlformats.org/officeDocument/2006/relationships" xmlns:p="http://schemas.openxmlformats.org/presentationml/2006/main">
   <p:cSld>
+    <p:bg>
+      <p:bgPr>
+        <a:blipFill dpi="0" rotWithShape="1">
+          <a:blip r:embed="rId3">
+            <a:lum/>
+          </a:blip>
+          <a:srcRect/>
+          <a:stretch>
+            <a:fillRect t="-9000" b="-9000"/>
+          </a:stretch>
+        </a:blipFill>
+        <a:effectLst/>
+      </p:bgPr>
+    </p:bg>
     <p:spTree>
       <p:nvGrpSpPr>
         <p:cNvPr id="1" name=""/>
@@ -5661,9 +6186,10 @@
             <a:r>
               <a:rPr lang="en-US" sz="3200" b="1" u="sng" dirty="0">
                 <a:solidFill>
-                  <a:schemeClr val="bg1"/>
+                  <a:srgbClr val="012456"/>
                 </a:solidFill>
-                <a:latin typeface="Franklin Gothic Book" panose="020B0503020102020204" pitchFamily="34" charset="0"/>
+                <a:latin typeface="Calibri" panose="020F0502020204030204" pitchFamily="34" charset="0"/>
+                <a:cs typeface="Calibri" panose="020F0502020204030204" pitchFamily="34" charset="0"/>
               </a:rPr>
               <a:t>PowerShell Gallery</a:t>
             </a:r>
@@ -5679,9 +6205,10 @@
             </a:pPr>
             <a:endParaRPr lang="en-US" sz="2000" dirty="0">
               <a:solidFill>
-                <a:schemeClr val="bg1"/>
+                <a:srgbClr val="012456"/>
               </a:solidFill>
-              <a:latin typeface="Franklin Gothic Book" panose="020B0503020102020204" pitchFamily="34" charset="0"/>
+              <a:latin typeface="Calibri" panose="020F0502020204030204" pitchFamily="34" charset="0"/>
+              <a:cs typeface="Calibri" panose="020F0502020204030204" pitchFamily="34" charset="0"/>
             </a:endParaRPr>
           </a:p>
           <a:p>
@@ -5698,26 +6225,29 @@
             <a:r>
               <a:rPr lang="en-US" sz="2400" dirty="0">
                 <a:solidFill>
-                  <a:schemeClr val="bg1"/>
+                  <a:srgbClr val="012456"/>
                 </a:solidFill>
-                <a:latin typeface="Franklin Gothic Book" panose="020B0503020102020204" pitchFamily="34" charset="0"/>
+                <a:latin typeface="Calibri" panose="020F0502020204030204" pitchFamily="34" charset="0"/>
+                <a:cs typeface="Calibri" panose="020F0502020204030204" pitchFamily="34" charset="0"/>
               </a:rPr>
               <a:t>Install-Module </a:t>
             </a:r>
             <a:r>
               <a:rPr lang="en-US" sz="2400" dirty="0" err="1">
                 <a:solidFill>
-                  <a:schemeClr val="bg1"/>
+                  <a:srgbClr val="012456"/>
                 </a:solidFill>
-                <a:latin typeface="Franklin Gothic Book" panose="020B0503020102020204" pitchFamily="34" charset="0"/>
+                <a:latin typeface="Calibri" panose="020F0502020204030204" pitchFamily="34" charset="0"/>
+                <a:cs typeface="Calibri" panose="020F0502020204030204" pitchFamily="34" charset="0"/>
               </a:rPr>
               <a:t>dbatools</a:t>
             </a:r>
             <a:endParaRPr lang="en-US" sz="2400" dirty="0">
               <a:solidFill>
-                <a:schemeClr val="bg1"/>
+                <a:srgbClr val="012456"/>
               </a:solidFill>
-              <a:latin typeface="Franklin Gothic Book" panose="020B0503020102020204" pitchFamily="34" charset="0"/>
+              <a:latin typeface="Calibri" panose="020F0502020204030204" pitchFamily="34" charset="0"/>
+              <a:cs typeface="Calibri" panose="020F0502020204030204" pitchFamily="34" charset="0"/>
             </a:endParaRPr>
           </a:p>
           <a:p>
@@ -5734,52 +6264,58 @@
             <a:r>
               <a:rPr lang="en-US" sz="2400" dirty="0">
                 <a:solidFill>
-                  <a:schemeClr val="bg1"/>
+                  <a:srgbClr val="012456"/>
                 </a:solidFill>
-                <a:latin typeface="Franklin Gothic Book" panose="020B0503020102020204" pitchFamily="34" charset="0"/>
+                <a:latin typeface="Calibri" panose="020F0502020204030204" pitchFamily="34" charset="0"/>
+                <a:cs typeface="Calibri" panose="020F0502020204030204" pitchFamily="34" charset="0"/>
               </a:rPr>
               <a:t>Install-Module </a:t>
             </a:r>
             <a:r>
               <a:rPr lang="en-US" sz="2400" dirty="0" err="1">
                 <a:solidFill>
-                  <a:schemeClr val="bg1"/>
+                  <a:srgbClr val="012456"/>
                 </a:solidFill>
-                <a:latin typeface="Franklin Gothic Book" panose="020B0503020102020204" pitchFamily="34" charset="0"/>
+                <a:latin typeface="Calibri" panose="020F0502020204030204" pitchFamily="34" charset="0"/>
+                <a:cs typeface="Calibri" panose="020F0502020204030204" pitchFamily="34" charset="0"/>
               </a:rPr>
               <a:t>dbatools</a:t>
             </a:r>
             <a:r>
               <a:rPr lang="en-US" sz="2400" dirty="0">
                 <a:solidFill>
-                  <a:schemeClr val="bg1"/>
+                  <a:srgbClr val="012456"/>
                 </a:solidFill>
-                <a:latin typeface="Franklin Gothic Book" panose="020B0503020102020204" pitchFamily="34" charset="0"/>
+                <a:latin typeface="Calibri" panose="020F0502020204030204" pitchFamily="34" charset="0"/>
+                <a:cs typeface="Calibri" panose="020F0502020204030204" pitchFamily="34" charset="0"/>
               </a:rPr>
               <a:t> –Scope </a:t>
             </a:r>
             <a:r>
               <a:rPr lang="en-US" sz="2400" dirty="0" err="1">
                 <a:solidFill>
-                  <a:schemeClr val="bg1"/>
+                  <a:srgbClr val="012456"/>
                 </a:solidFill>
-                <a:latin typeface="Franklin Gothic Book" panose="020B0503020102020204" pitchFamily="34" charset="0"/>
+                <a:latin typeface="Calibri" panose="020F0502020204030204" pitchFamily="34" charset="0"/>
+                <a:cs typeface="Calibri" panose="020F0502020204030204" pitchFamily="34" charset="0"/>
               </a:rPr>
               <a:t>CurrentUser</a:t>
             </a:r>
             <a:br>
               <a:rPr lang="en-US" sz="2000" dirty="0">
                 <a:solidFill>
-                  <a:schemeClr val="bg1"/>
+                  <a:srgbClr val="012456"/>
                 </a:solidFill>
-                <a:latin typeface="Franklin Gothic Book" panose="020B0503020102020204" pitchFamily="34" charset="0"/>
+                <a:latin typeface="Calibri" panose="020F0502020204030204" pitchFamily="34" charset="0"/>
+                <a:cs typeface="Calibri" panose="020F0502020204030204" pitchFamily="34" charset="0"/>
               </a:rPr>
             </a:br>
             <a:endParaRPr lang="en-US" sz="2000" b="1" u="sng" dirty="0">
               <a:solidFill>
-                <a:schemeClr val="bg1"/>
+                <a:srgbClr val="012456"/>
               </a:solidFill>
-              <a:latin typeface="Franklin Gothic Book" panose="020B0503020102020204" pitchFamily="34" charset="0"/>
+              <a:latin typeface="Calibri" panose="020F0502020204030204" pitchFamily="34" charset="0"/>
+              <a:cs typeface="Calibri" panose="020F0502020204030204" pitchFamily="34" charset="0"/>
             </a:endParaRPr>
           </a:p>
           <a:p>
@@ -5794,26 +6330,29 @@
             <a:r>
               <a:rPr lang="en-US" sz="3200" b="1" u="sng" dirty="0">
                 <a:solidFill>
-                  <a:schemeClr val="bg1"/>
+                  <a:srgbClr val="012456"/>
                 </a:solidFill>
-                <a:latin typeface="Franklin Gothic Book" panose="020B0503020102020204" pitchFamily="34" charset="0"/>
+                <a:latin typeface="Calibri" panose="020F0502020204030204" pitchFamily="34" charset="0"/>
+                <a:cs typeface="Calibri" panose="020F0502020204030204" pitchFamily="34" charset="0"/>
               </a:rPr>
               <a:t>GitHub – dbatools.io/</a:t>
             </a:r>
             <a:r>
               <a:rPr lang="en-US" sz="3200" b="1" u="sng" dirty="0" err="1">
                 <a:solidFill>
-                  <a:schemeClr val="bg1"/>
+                  <a:srgbClr val="012456"/>
                 </a:solidFill>
-                <a:latin typeface="Franklin Gothic Book" panose="020B0503020102020204" pitchFamily="34" charset="0"/>
+                <a:latin typeface="Calibri" panose="020F0502020204030204" pitchFamily="34" charset="0"/>
+                <a:cs typeface="Calibri" panose="020F0502020204030204" pitchFamily="34" charset="0"/>
               </a:rPr>
               <a:t>git</a:t>
             </a:r>
             <a:endParaRPr lang="en-US" sz="3200" b="1" u="sng" dirty="0">
               <a:solidFill>
-                <a:schemeClr val="bg1"/>
+                <a:srgbClr val="012456"/>
               </a:solidFill>
-              <a:latin typeface="Franklin Gothic Book" panose="020B0503020102020204" pitchFamily="34" charset="0"/>
+              <a:latin typeface="Calibri" panose="020F0502020204030204" pitchFamily="34" charset="0"/>
+              <a:cs typeface="Calibri" panose="020F0502020204030204" pitchFamily="34" charset="0"/>
             </a:endParaRPr>
           </a:p>
           <a:p>
@@ -5827,9 +6366,10 @@
             </a:pPr>
             <a:endParaRPr lang="en-US" sz="2000" dirty="0">
               <a:solidFill>
-                <a:schemeClr val="bg1"/>
+                <a:srgbClr val="012456"/>
               </a:solidFill>
-              <a:latin typeface="Franklin Gothic Book" panose="020B0503020102020204" pitchFamily="34" charset="0"/>
+              <a:latin typeface="Calibri" panose="020F0502020204030204" pitchFamily="34" charset="0"/>
+              <a:cs typeface="Calibri" panose="020F0502020204030204" pitchFamily="34" charset="0"/>
             </a:endParaRPr>
           </a:p>
           <a:p>
@@ -5846,27 +6386,30 @@
             <a:r>
               <a:rPr lang="en-US" sz="2400" dirty="0">
                 <a:solidFill>
-                  <a:schemeClr val="bg1"/>
+                  <a:srgbClr val="012456"/>
                 </a:solidFill>
-                <a:latin typeface="Franklin Gothic Book" panose="020B0503020102020204" pitchFamily="34" charset="0"/>
+                <a:latin typeface="Calibri" panose="020F0502020204030204" pitchFamily="34" charset="0"/>
+                <a:cs typeface="Calibri" panose="020F0502020204030204" pitchFamily="34" charset="0"/>
               </a:rPr>
               <a:t>Invoke-Expression (Invoke-</a:t>
             </a:r>
             <a:r>
               <a:rPr lang="en-US" sz="2400" dirty="0" err="1">
                 <a:solidFill>
-                  <a:schemeClr val="bg1"/>
+                  <a:srgbClr val="012456"/>
                 </a:solidFill>
-                <a:latin typeface="Franklin Gothic Book" panose="020B0503020102020204" pitchFamily="34" charset="0"/>
+                <a:latin typeface="Calibri" panose="020F0502020204030204" pitchFamily="34" charset="0"/>
+                <a:cs typeface="Calibri" panose="020F0502020204030204" pitchFamily="34" charset="0"/>
               </a:rPr>
               <a:t>WebRequest</a:t>
             </a:r>
             <a:r>
               <a:rPr lang="en-US" sz="2400" dirty="0">
                 <a:solidFill>
-                  <a:schemeClr val="bg1"/>
+                  <a:srgbClr val="012456"/>
                 </a:solidFill>
-                <a:latin typeface="Franklin Gothic Book" panose="020B0503020102020204" pitchFamily="34" charset="0"/>
+                <a:latin typeface="Calibri" panose="020F0502020204030204" pitchFamily="34" charset="0"/>
+                <a:cs typeface="Calibri" panose="020F0502020204030204" pitchFamily="34" charset="0"/>
               </a:rPr>
               <a:t> https://dbatools.io/in)</a:t>
             </a:r>
@@ -5885,36 +6428,40 @@
             <a:r>
               <a:rPr lang="en-US" sz="2400" dirty="0">
                 <a:solidFill>
-                  <a:schemeClr val="bg1"/>
+                  <a:srgbClr val="012456"/>
                 </a:solidFill>
-                <a:latin typeface="Franklin Gothic Book" panose="020B0503020102020204" pitchFamily="34" charset="0"/>
+                <a:latin typeface="Calibri" panose="020F0502020204030204" pitchFamily="34" charset="0"/>
+                <a:cs typeface="Calibri" panose="020F0502020204030204" pitchFamily="34" charset="0"/>
               </a:rPr>
               <a:t>Clone repo found at dbatools.io/</a:t>
             </a:r>
             <a:r>
               <a:rPr lang="en-US" sz="2400" dirty="0" err="1">
                 <a:solidFill>
-                  <a:schemeClr val="bg1"/>
+                  <a:srgbClr val="012456"/>
                 </a:solidFill>
-                <a:latin typeface="Franklin Gothic Book" panose="020B0503020102020204" pitchFamily="34" charset="0"/>
+                <a:latin typeface="Calibri" panose="020F0502020204030204" pitchFamily="34" charset="0"/>
+                <a:cs typeface="Calibri" panose="020F0502020204030204" pitchFamily="34" charset="0"/>
               </a:rPr>
               <a:t>git</a:t>
             </a:r>
             <a:r>
               <a:rPr lang="en-US" sz="2400" dirty="0">
                 <a:solidFill>
-                  <a:schemeClr val="bg1"/>
+                  <a:srgbClr val="012456"/>
                 </a:solidFill>
-                <a:latin typeface="Franklin Gothic Book" panose="020B0503020102020204" pitchFamily="34" charset="0"/>
+                <a:latin typeface="Calibri" panose="020F0502020204030204" pitchFamily="34" charset="0"/>
+                <a:cs typeface="Calibri" panose="020F0502020204030204" pitchFamily="34" charset="0"/>
               </a:rPr>
               <a:t>, Import-Module </a:t>
             </a:r>
             <a:r>
               <a:rPr lang="en-US" sz="2400" dirty="0" err="1">
                 <a:solidFill>
-                  <a:schemeClr val="bg1"/>
+                  <a:srgbClr val="012456"/>
                 </a:solidFill>
-                <a:latin typeface="Franklin Gothic Book" panose="020B0503020102020204" pitchFamily="34" charset="0"/>
+                <a:latin typeface="Calibri" panose="020F0502020204030204" pitchFamily="34" charset="0"/>
+                <a:cs typeface="Calibri" panose="020F0502020204030204" pitchFamily="34" charset="0"/>
               </a:rPr>
               <a:t>dbatools</a:t>
             </a:r>
@@ -5933,7 +6480,7 @@
         </p:nvSpPr>
         <p:spPr>
           <a:xfrm>
-            <a:off x="930132" y="189781"/>
+            <a:off x="718580" y="161026"/>
             <a:ext cx="4180936" cy="707886"/>
           </a:xfrm>
           <a:prstGeom prst="rect">
@@ -5950,15 +6497,107 @@
             <a:r>
               <a:rPr lang="en-GB" sz="4000" dirty="0">
                 <a:solidFill>
-                  <a:schemeClr val="bg1"/>
+                  <a:srgbClr val="012456"/>
                 </a:solidFill>
-                <a:latin typeface="Franklin Gothic Book" panose="020B0503020102020204" pitchFamily="34" charset="0"/>
+                <a:latin typeface="Algerian" panose="04020705040A02060702" pitchFamily="82" charset="0"/>
               </a:rPr>
               <a:t>Installation</a:t>
             </a:r>
           </a:p>
         </p:txBody>
       </p:sp>
+      <p:sp>
+        <p:nvSpPr>
+          <p:cNvPr id="5" name="Shape 286"/>
+          <p:cNvSpPr/>
+          <p:nvPr/>
+        </p:nvSpPr>
+        <p:spPr>
+          <a:xfrm>
+            <a:off x="0" y="6320235"/>
+            <a:ext cx="12192518" cy="537765"/>
+          </a:xfrm>
+          <a:prstGeom prst="rect">
+            <a:avLst/>
+          </a:prstGeom>
+          <a:solidFill>
+            <a:schemeClr val="accent5"/>
+          </a:solidFill>
+          <a:ln w="12700">
+            <a:miter lim="400000"/>
+          </a:ln>
+        </p:spPr>
+        <p:txBody>
+          <a:bodyPr lIns="143465" tIns="143465" rIns="143465" bIns="143465" anchor="ctr"/>
+          <a:lstStyle/>
+          <a:p>
+            <a:pPr algn="ctr" defTabSz="761268">
+              <a:lnSpc>
+                <a:spcPct val="90000"/>
+              </a:lnSpc>
+              <a:defRPr sz="2400">
+                <a:ln w="9525">
+                  <a:solidFill>
+                    <a:srgbClr val="FFFFFF">
+                      <a:alpha val="0"/>
+                    </a:srgbClr>
+                  </a:solidFill>
+                </a:ln>
+                <a:solidFill>
+                  <a:srgbClr val="FFFFFF"/>
+                </a:solidFill>
+                <a:latin typeface="Segoe UI Light"/>
+                <a:ea typeface="Segoe UI Light"/>
+                <a:cs typeface="Segoe UI Light"/>
+                <a:sym typeface="Segoe UI Light"/>
+              </a:defRPr>
+            </a:pPr>
+            <a:r>
+              <a:rPr lang="en-US" sz="1200" dirty="0"/>
+              <a:t>dbatools.io  |  powershell.sqlpass.org   |   sqlps.io/vote   |   sqlps.io/</a:t>
+            </a:r>
+            <a:r>
+              <a:rPr lang="en-US" sz="1200" dirty="0" err="1"/>
+              <a:t>youtube</a:t>
+            </a:r>
+            <a:r>
+              <a:rPr lang="en-US" sz="1200" dirty="0"/>
+              <a:t>   |   sqlps.io/slack</a:t>
+            </a:r>
+            <a:endParaRPr sz="1200" dirty="0"/>
+          </a:p>
+        </p:txBody>
+      </p:sp>
+      <p:pic>
+        <p:nvPicPr>
+          <p:cNvPr id="7" name="Picture 6"/>
+          <p:cNvPicPr>
+            <a:picLocks noChangeAspect="1"/>
+          </p:cNvPicPr>
+          <p:nvPr/>
+        </p:nvPicPr>
+        <p:blipFill>
+          <a:blip r:embed="rId4">
+            <a:extLst>
+              <a:ext uri="{28A0092B-C50C-407E-A947-70E740481C1C}">
+                <a14:useLocalDpi xmlns:a14="http://schemas.microsoft.com/office/drawing/2010/main" val="0"/>
+              </a:ext>
+            </a:extLst>
+          </a:blip>
+          <a:stretch>
+            <a:fillRect/>
+          </a:stretch>
+        </p:blipFill>
+        <p:spPr>
+          <a:xfrm>
+            <a:off x="11126009" y="5781675"/>
+            <a:ext cx="1088709" cy="1080000"/>
+          </a:xfrm>
+          <a:prstGeom prst="rect">
+            <a:avLst/>
+          </a:prstGeom>
+        </p:spPr>
+      </p:pic>
     </p:spTree>
     <p:extLst>
       <p:ext uri="{BB962C8B-B14F-4D97-AF65-F5344CB8AC3E}">
@@ -6125,9 +6764,23 @@
 </p:sld>
 </file>
 
-<file path=ppt/slides/slide6.xml><?xml version="1.0" encoding="utf-8"?>
+<file path=ppt/slides/slide7.xml><?xml version="1.0" encoding="utf-8"?>
 <p:sld xmlns:a="http://schemas.openxmlformats.org/drawingml/2006/main" xmlns:r="http://schemas.openxmlformats.org/officeDocument/2006/relationships" xmlns:p="http://schemas.openxmlformats.org/presentationml/2006/main">
   <p:cSld>
+    <p:bg>
+      <p:bgPr>
+        <a:blipFill dpi="0" rotWithShape="1">
+          <a:blip r:embed="rId3">
+            <a:lum/>
+          </a:blip>
+          <a:srcRect/>
+          <a:stretch>
+            <a:fillRect t="-9000" b="-9000"/>
+          </a:stretch>
+        </a:blipFill>
+        <a:effectLst/>
+      </p:bgPr>
+    </p:bg>
     <p:spTree>
       <p:nvGrpSpPr>
         <p:cNvPr id="1" name=""/>
@@ -6142,30 +6795,6 @@
           <a:chExt cx="0" cy="0"/>
         </a:xfrm>
       </p:grpSpPr>
-      <p:pic>
-        <p:nvPicPr>
-          <p:cNvPr id="4" name="Picture 3"/>
-          <p:cNvPicPr>
-            <a:picLocks noChangeAspect="1"/>
-          </p:cNvPicPr>
-          <p:nvPr/>
-        </p:nvPicPr>
-        <p:blipFill>
-          <a:blip r:embed="rId3"/>
-          <a:stretch>
-            <a:fillRect/>
-          </a:stretch>
-        </p:blipFill>
-        <p:spPr>
-          <a:xfrm>
-            <a:off x="1740519" y="1173192"/>
-            <a:ext cx="8899564" cy="4498604"/>
-          </a:xfrm>
-          <a:prstGeom prst="rect">
-            <a:avLst/>
-          </a:prstGeom>
-        </p:spPr>
-      </p:pic>
       <p:sp>
         <p:nvSpPr>
           <p:cNvPr id="5" name="TextBox 4"/>
@@ -6174,117 +6803,7 @@
         </p:nvSpPr>
         <p:spPr>
           <a:xfrm>
-            <a:off x="253042" y="212785"/>
-            <a:ext cx="4554747" cy="769441"/>
-          </a:xfrm>
-          <a:prstGeom prst="rect">
-            <a:avLst/>
-          </a:prstGeom>
-          <a:noFill/>
-        </p:spPr>
-        <p:txBody>
-          <a:bodyPr wrap="square" rtlCol="0">
-            <a:spAutoFit/>
-          </a:bodyPr>
-          <a:lstStyle/>
-          <a:p>
-            <a:r>
-              <a:rPr lang="en-GB" sz="4400" dirty="0">
-                <a:solidFill>
-                  <a:schemeClr val="bg1"/>
-                </a:solidFill>
-                <a:latin typeface="Franklin Gothic Book" panose="020B0503020102020204" pitchFamily="34" charset="0"/>
-              </a:rPr>
-              <a:t>Visit the website</a:t>
-            </a:r>
-          </a:p>
-        </p:txBody>
-      </p:sp>
-      <p:sp>
-        <p:nvSpPr>
-          <p:cNvPr id="6" name="TextBox 5"/>
-          <p:cNvSpPr txBox="1"/>
-          <p:nvPr/>
-        </p:nvSpPr>
-        <p:spPr>
-          <a:xfrm>
-            <a:off x="4433978" y="5819955"/>
-            <a:ext cx="7683260" cy="584775"/>
-          </a:xfrm>
-          <a:prstGeom prst="rect">
-            <a:avLst/>
-          </a:prstGeom>
-          <a:noFill/>
-        </p:spPr>
-        <p:txBody>
-          <a:bodyPr wrap="square" rtlCol="0">
-            <a:spAutoFit/>
-          </a:bodyPr>
-          <a:lstStyle/>
-          <a:p>
-            <a:r>
-              <a:rPr lang="en-GB" sz="3200" dirty="0">
-                <a:solidFill>
-                  <a:schemeClr val="bg1"/>
-                </a:solidFill>
-                <a:latin typeface="Franklin Gothic Book" panose="020B0503020102020204" pitchFamily="34" charset="0"/>
-              </a:rPr>
-              <a:t>https://dbatools.io</a:t>
-            </a:r>
-          </a:p>
-        </p:txBody>
-      </p:sp>
-    </p:spTree>
-    <p:extLst>
-      <p:ext uri="{BB962C8B-B14F-4D97-AF65-F5344CB8AC3E}">
-        <p14:creationId xmlns:p14="http://schemas.microsoft.com/office/powerpoint/2010/main" val="1933875055"/>
-      </p:ext>
-    </p:extLst>
-  </p:cSld>
-  <p:clrMapOvr>
-    <a:masterClrMapping/>
-  </p:clrMapOvr>
-  <mc:AlternateContent xmlns:mc="http://schemas.openxmlformats.org/markup-compatibility/2006" xmlns:p14="http://schemas.microsoft.com/office/powerpoint/2010/main">
-    <mc:Choice Requires="p14">
-      <p:transition spd="med" p14:dur="700">
-        <p:fade/>
-      </p:transition>
-    </mc:Choice>
-    <mc:Fallback xmlns="">
-      <p:transition spd="med">
-        <p:fade/>
-      </p:transition>
-    </mc:Fallback>
-  </mc:AlternateContent>
-</p:sld>
-</file>
-
-<file path=ppt/slides/slide7.xml><?xml version="1.0" encoding="utf-8"?>
-<p:sld xmlns:a="http://schemas.openxmlformats.org/drawingml/2006/main" xmlns:r="http://schemas.openxmlformats.org/officeDocument/2006/relationships" xmlns:p="http://schemas.openxmlformats.org/presentationml/2006/main">
-  <p:cSld>
-    <p:spTree>
-      <p:nvGrpSpPr>
-        <p:cNvPr id="1" name=""/>
-        <p:cNvGrpSpPr/>
-        <p:nvPr/>
-      </p:nvGrpSpPr>
-      <p:grpSpPr>
-        <a:xfrm>
-          <a:off x="0" y="0"/>
-          <a:ext cx="0" cy="0"/>
-          <a:chOff x="0" y="0"/>
-          <a:chExt cx="0" cy="0"/>
-        </a:xfrm>
-      </p:grpSpPr>
-      <p:sp>
-        <p:nvSpPr>
-          <p:cNvPr id="5" name="TextBox 4"/>
-          <p:cNvSpPr txBox="1"/>
-          <p:nvPr/>
-        </p:nvSpPr>
-        <p:spPr>
-          <a:xfrm>
-            <a:off x="661359" y="327804"/>
+            <a:off x="650115" y="219445"/>
             <a:ext cx="10892287" cy="1107996"/>
           </a:xfrm>
           <a:prstGeom prst="rect">
@@ -6301,9 +6820,9 @@
             <a:r>
               <a:rPr lang="en-GB" sz="6600" dirty="0">
                 <a:solidFill>
-                  <a:schemeClr val="bg1"/>
+                  <a:srgbClr val="012456"/>
                 </a:solidFill>
-                <a:latin typeface="Franklin Gothic Book" panose="020B0503020102020204" pitchFamily="34" charset="0"/>
+                <a:latin typeface="Algerian" panose="04020705040A02060702" pitchFamily="82" charset="0"/>
               </a:rPr>
               <a:t>DEMOS !</a:t>
             </a:r>
@@ -6319,7 +6838,7 @@
           <p:nvPr/>
         </p:nvPicPr>
         <p:blipFill>
-          <a:blip r:embed="rId3">
+          <a:blip r:embed="rId4">
             <a:extLst>
               <a:ext uri="{28A0092B-C50C-407E-A947-70E740481C1C}">
                 <a14:useLocalDpi xmlns:a14="http://schemas.microsoft.com/office/drawing/2010/main" val="0"/>
@@ -6334,6 +6853,98 @@
           <a:xfrm>
             <a:off x="3255065" y="1828800"/>
             <a:ext cx="6193735" cy="3488716"/>
+          </a:xfrm>
+          <a:prstGeom prst="rect">
+            <a:avLst/>
+          </a:prstGeom>
+        </p:spPr>
+      </p:pic>
+      <p:sp>
+        <p:nvSpPr>
+          <p:cNvPr id="4" name="Shape 286"/>
+          <p:cNvSpPr/>
+          <p:nvPr/>
+        </p:nvSpPr>
+        <p:spPr>
+          <a:xfrm>
+            <a:off x="0" y="6320235"/>
+            <a:ext cx="12192518" cy="537765"/>
+          </a:xfrm>
+          <a:prstGeom prst="rect">
+            <a:avLst/>
+          </a:prstGeom>
+          <a:solidFill>
+            <a:schemeClr val="accent5"/>
+          </a:solidFill>
+          <a:ln w="12700">
+            <a:miter lim="400000"/>
+          </a:ln>
+        </p:spPr>
+        <p:txBody>
+          <a:bodyPr lIns="143465" tIns="143465" rIns="143465" bIns="143465" anchor="ctr"/>
+          <a:lstStyle/>
+          <a:p>
+            <a:pPr algn="ctr" defTabSz="761268">
+              <a:lnSpc>
+                <a:spcPct val="90000"/>
+              </a:lnSpc>
+              <a:defRPr sz="2400">
+                <a:ln w="9525">
+                  <a:solidFill>
+                    <a:srgbClr val="FFFFFF">
+                      <a:alpha val="0"/>
+                    </a:srgbClr>
+                  </a:solidFill>
+                </a:ln>
+                <a:solidFill>
+                  <a:srgbClr val="FFFFFF"/>
+                </a:solidFill>
+                <a:latin typeface="Segoe UI Light"/>
+                <a:ea typeface="Segoe UI Light"/>
+                <a:cs typeface="Segoe UI Light"/>
+                <a:sym typeface="Segoe UI Light"/>
+              </a:defRPr>
+            </a:pPr>
+            <a:r>
+              <a:rPr lang="en-US" sz="1200" dirty="0"/>
+              <a:t>dbatools.io  |  powershell.sqlpass.org   |   sqlps.io/vote   |   sqlps.io/</a:t>
+            </a:r>
+            <a:r>
+              <a:rPr lang="en-US" sz="1200" dirty="0" err="1"/>
+              <a:t>youtube</a:t>
+            </a:r>
+            <a:r>
+              <a:rPr lang="en-US" sz="1200" dirty="0"/>
+              <a:t>   |   sqlps.io/slack</a:t>
+            </a:r>
+            <a:endParaRPr sz="1200" dirty="0"/>
+          </a:p>
+        </p:txBody>
+      </p:sp>
+      <p:pic>
+        <p:nvPicPr>
+          <p:cNvPr id="6" name="Picture 5"/>
+          <p:cNvPicPr>
+            <a:picLocks noChangeAspect="1"/>
+          </p:cNvPicPr>
+          <p:nvPr/>
+        </p:nvPicPr>
+        <p:blipFill>
+          <a:blip r:embed="rId5">
+            <a:extLst>
+              <a:ext uri="{28A0092B-C50C-407E-A947-70E740481C1C}">
+                <a14:useLocalDpi xmlns:a14="http://schemas.microsoft.com/office/drawing/2010/main" val="0"/>
+              </a:ext>
+            </a:extLst>
+          </a:blip>
+          <a:stretch>
+            <a:fillRect/>
+          </a:stretch>
+        </p:blipFill>
+        <p:spPr>
+          <a:xfrm>
+            <a:off x="11126009" y="5781675"/>
+            <a:ext cx="1088709" cy="1080000"/>
           </a:xfrm>
           <a:prstGeom prst="rect">
             <a:avLst/>
@@ -6390,7 +7001,7 @@
         </p:nvSpPr>
         <p:spPr>
           <a:xfrm>
-            <a:off x="2596" y="6335392"/>
+            <a:off x="1" y="6361769"/>
             <a:ext cx="12192518" cy="537765"/>
           </a:xfrm>
           <a:prstGeom prst="rect">
@@ -6465,11 +7076,22 @@
             </a:lvl1pPr>
           </a:lstStyle>
           <a:p>
-            <a:r>
-              <a:rPr lang="en-US" dirty="0"/>
+            <a:pPr algn="ctr"/>
+            <a:r>
+              <a:rPr lang="en-US" sz="6000" dirty="0">
+                <a:solidFill>
+                  <a:srgbClr val="012456"/>
+                </a:solidFill>
+                <a:latin typeface="Algerian" panose="04020705040A02060702" pitchFamily="82" charset="0"/>
+              </a:rPr>
               <a:t>Questions</a:t>
             </a:r>
-            <a:endParaRPr dirty="0"/>
+            <a:endParaRPr sz="6000" dirty="0">
+              <a:solidFill>
+                <a:srgbClr val="012456"/>
+              </a:solidFill>
+              <a:latin typeface="Algerian" panose="04020705040A02060702" pitchFamily="82" charset="0"/>
+            </a:endParaRPr>
           </a:p>
         </p:txBody>
       </p:sp>
@@ -6533,7 +7155,7 @@
           </a:ln>
           <a:extLst>
             <a:ext uri="{C572A759-6A51-4108-AA02-DFA0A04FC94B}">
-              <ma14:wrappingTextBoxFlag xmlns:ma14="http://schemas.microsoft.com/office/mac/drawingml/2011/main" xmlns="" val="1"/>
+              <ma14:wrappingTextBoxFlag xmlns="" xmlns:ma14="http://schemas.microsoft.com/office/mac/drawingml/2011/main" val="1"/>
             </a:ext>
           </a:extLst>
         </p:spPr>
@@ -6558,8 +7180,12 @@
               </a:defRPr>
             </a:pPr>
             <a:r>
+              <a:rPr lang="en-US" sz="1200" dirty="0"/>
+              <a:t>dbatools</a:t>
+            </a:r>
+            <a:r>
               <a:rPr lang="en-US" sz="1275" dirty="0"/>
-              <a:t>powershell.sqlpass.org   |   sqlps.io/vote   |   sqlps.io/</a:t>
+              <a:t>.io  |  powershell.sqlpass.org   |   sqlps.io/vote   |   sqlps.io/</a:t>
             </a:r>
             <a:r>
               <a:rPr lang="en-US" sz="1275" dirty="0" err="1"/>
@@ -6573,6 +7199,392 @@
           </a:p>
         </p:txBody>
       </p:sp>
+      <p:sp>
+        <p:nvSpPr>
+          <p:cNvPr id="2" name="TextBox 1"/>
+          <p:cNvSpPr txBox="1"/>
+          <p:nvPr/>
+        </p:nvSpPr>
+        <p:spPr>
+          <a:xfrm>
+            <a:off x="292467" y="847102"/>
+            <a:ext cx="4286778" cy="4801314"/>
+          </a:xfrm>
+          <a:prstGeom prst="rect">
+            <a:avLst/>
+          </a:prstGeom>
+          <a:noFill/>
+        </p:spPr>
+        <p:txBody>
+          <a:bodyPr wrap="square" rtlCol="0">
+            <a:spAutoFit/>
+          </a:bodyPr>
+          <a:lstStyle/>
+          <a:p>
+            <a:r>
+              <a:rPr lang="en-GB" sz="5400" dirty="0">
+                <a:solidFill>
+                  <a:srgbClr val="012456"/>
+                </a:solidFill>
+                <a:latin typeface="Harlow Solid Italic" panose="04030604020F02020D02" pitchFamily="82" charset="0"/>
+              </a:rPr>
+              <a:t>Rob</a:t>
+            </a:r>
+          </a:p>
+          <a:p>
+            <a:endParaRPr lang="en-GB" dirty="0">
+              <a:solidFill>
+                <a:srgbClr val="012456"/>
+              </a:solidFill>
+            </a:endParaRPr>
+          </a:p>
+          <a:p>
+            <a:endParaRPr lang="en-GB" dirty="0">
+              <a:solidFill>
+                <a:srgbClr val="012456"/>
+              </a:solidFill>
+            </a:endParaRPr>
+          </a:p>
+          <a:p>
+            <a:endParaRPr lang="en-GB" dirty="0">
+              <a:solidFill>
+                <a:srgbClr val="012456"/>
+              </a:solidFill>
+            </a:endParaRPr>
+          </a:p>
+          <a:p>
+            <a:endParaRPr lang="en-GB" dirty="0">
+              <a:solidFill>
+                <a:srgbClr val="012456"/>
+              </a:solidFill>
+            </a:endParaRPr>
+          </a:p>
+          <a:p>
+            <a:endParaRPr lang="en-GB" dirty="0">
+              <a:solidFill>
+                <a:srgbClr val="012456"/>
+              </a:solidFill>
+            </a:endParaRPr>
+          </a:p>
+          <a:p>
+            <a:endParaRPr lang="en-GB" dirty="0">
+              <a:solidFill>
+                <a:srgbClr val="012456"/>
+              </a:solidFill>
+            </a:endParaRPr>
+          </a:p>
+          <a:p>
+            <a:endParaRPr lang="en-GB" dirty="0">
+              <a:solidFill>
+                <a:srgbClr val="012456"/>
+              </a:solidFill>
+            </a:endParaRPr>
+          </a:p>
+          <a:p>
+            <a:endParaRPr lang="en-GB" dirty="0">
+              <a:solidFill>
+                <a:srgbClr val="012456"/>
+              </a:solidFill>
+            </a:endParaRPr>
+          </a:p>
+          <a:p>
+            <a:endParaRPr lang="en-GB" dirty="0">
+              <a:solidFill>
+                <a:srgbClr val="012456"/>
+              </a:solidFill>
+            </a:endParaRPr>
+          </a:p>
+          <a:p>
+            <a:endParaRPr lang="en-GB" dirty="0">
+              <a:solidFill>
+                <a:srgbClr val="012456"/>
+              </a:solidFill>
+            </a:endParaRPr>
+          </a:p>
+          <a:p>
+            <a:endParaRPr lang="en-GB" dirty="0">
+              <a:solidFill>
+                <a:srgbClr val="012456"/>
+              </a:solidFill>
+            </a:endParaRPr>
+          </a:p>
+          <a:p>
+            <a:r>
+              <a:rPr lang="en-GB" dirty="0">
+                <a:solidFill>
+                  <a:srgbClr val="012456"/>
+                </a:solidFill>
+              </a:rPr>
+              <a:t>sqldbawith</a:t>
+            </a:r>
+            <a:r>
+              <a:rPr lang="en-GB" dirty="0">
+                <a:solidFill>
+                  <a:srgbClr val="FF0000"/>
+                </a:solidFill>
+              </a:rPr>
+              <a:t>A</a:t>
+            </a:r>
+            <a:r>
+              <a:rPr lang="en-GB" dirty="0">
+                <a:solidFill>
+                  <a:srgbClr val="012456"/>
+                </a:solidFill>
+              </a:rPr>
+              <a:t>beard.com</a:t>
+            </a:r>
+          </a:p>
+          <a:p>
+            <a:r>
+              <a:rPr lang="en-GB" dirty="0">
+                <a:solidFill>
+                  <a:srgbClr val="012456"/>
+                </a:solidFill>
+              </a:rPr>
+              <a:t>@</a:t>
+            </a:r>
+            <a:r>
+              <a:rPr lang="en-GB" dirty="0" err="1">
+                <a:solidFill>
+                  <a:srgbClr val="012456"/>
+                </a:solidFill>
+              </a:rPr>
+              <a:t>sqldbawithbeard</a:t>
+            </a:r>
+            <a:endParaRPr lang="en-GB" dirty="0">
+              <a:solidFill>
+                <a:srgbClr val="012456"/>
+              </a:solidFill>
+            </a:endParaRPr>
+          </a:p>
+          <a:p>
+            <a:r>
+              <a:rPr lang="en-GB" u="sng" dirty="0">
+                <a:hlinkClick r:id="rId4"/>
+              </a:rPr>
+              <a:t>https://uk.linkedin.com/in/robsewellsqldba</a:t>
+            </a:r>
+            <a:r>
+              <a:rPr lang="en-GB" u="sng" dirty="0"/>
+              <a:t> </a:t>
+            </a:r>
+            <a:endParaRPr lang="en-GB" dirty="0">
+              <a:solidFill>
+                <a:srgbClr val="012456"/>
+              </a:solidFill>
+            </a:endParaRPr>
+          </a:p>
+        </p:txBody>
+      </p:sp>
+      <p:pic>
+        <p:nvPicPr>
+          <p:cNvPr id="4" name="Picture 3" descr="A person wearing a hat&#10;&#10;Description generated with high confidence"/>
+          <p:cNvPicPr>
+            <a:picLocks noChangeAspect="1"/>
+          </p:cNvPicPr>
+          <p:nvPr/>
+        </p:nvPicPr>
+        <p:blipFill>
+          <a:blip r:embed="rId5">
+            <a:extLst>
+              <a:ext uri="{28A0092B-C50C-407E-A947-70E740481C1C}">
+                <a14:useLocalDpi xmlns:a14="http://schemas.microsoft.com/office/drawing/2010/main" val="0"/>
+              </a:ext>
+            </a:extLst>
+          </a:blip>
+          <a:stretch>
+            <a:fillRect/>
+          </a:stretch>
+        </p:blipFill>
+        <p:spPr>
+          <a:xfrm>
+            <a:off x="1509256" y="1597494"/>
+            <a:ext cx="1648012" cy="2922647"/>
+          </a:xfrm>
+          <a:prstGeom prst="rect">
+            <a:avLst/>
+          </a:prstGeom>
+        </p:spPr>
+      </p:pic>
+      <p:sp>
+        <p:nvSpPr>
+          <p:cNvPr id="5" name="TextBox 4"/>
+          <p:cNvSpPr txBox="1"/>
+          <p:nvPr/>
+        </p:nvSpPr>
+        <p:spPr>
+          <a:xfrm>
+            <a:off x="7953555" y="847102"/>
+            <a:ext cx="3960720" cy="4924425"/>
+          </a:xfrm>
+          <a:prstGeom prst="rect">
+            <a:avLst/>
+          </a:prstGeom>
+          <a:noFill/>
+        </p:spPr>
+        <p:txBody>
+          <a:bodyPr wrap="square" rtlCol="0">
+            <a:spAutoFit/>
+          </a:bodyPr>
+          <a:lstStyle/>
+          <a:p>
+            <a:r>
+              <a:rPr lang="en-GB" sz="5400" dirty="0" err="1">
+                <a:solidFill>
+                  <a:srgbClr val="012456"/>
+                </a:solidFill>
+                <a:latin typeface="Harlow Solid Italic" panose="04030604020F02020D02" pitchFamily="82" charset="0"/>
+              </a:rPr>
+              <a:t>Cláudio</a:t>
+            </a:r>
+            <a:endParaRPr lang="en-GB" sz="5400" dirty="0">
+              <a:solidFill>
+                <a:srgbClr val="012456"/>
+              </a:solidFill>
+              <a:latin typeface="Harlow Solid Italic" panose="04030604020F02020D02" pitchFamily="82" charset="0"/>
+            </a:endParaRPr>
+          </a:p>
+          <a:p>
+            <a:endParaRPr lang="en-GB" sz="3200" dirty="0">
+              <a:solidFill>
+                <a:srgbClr val="012456"/>
+              </a:solidFill>
+            </a:endParaRPr>
+          </a:p>
+          <a:p>
+            <a:endParaRPr lang="en-GB" sz="3200" dirty="0">
+              <a:solidFill>
+                <a:srgbClr val="012456"/>
+              </a:solidFill>
+            </a:endParaRPr>
+          </a:p>
+          <a:p>
+            <a:endParaRPr lang="en-GB" sz="3200" dirty="0">
+              <a:solidFill>
+                <a:srgbClr val="012456"/>
+              </a:solidFill>
+            </a:endParaRPr>
+          </a:p>
+          <a:p>
+            <a:endParaRPr lang="en-GB" sz="3200" dirty="0">
+              <a:solidFill>
+                <a:srgbClr val="012456"/>
+              </a:solidFill>
+            </a:endParaRPr>
+          </a:p>
+          <a:p>
+            <a:endParaRPr lang="en-GB" sz="3200" dirty="0">
+              <a:solidFill>
+                <a:srgbClr val="012456"/>
+              </a:solidFill>
+            </a:endParaRPr>
+          </a:p>
+          <a:p>
+            <a:endParaRPr lang="en-GB" sz="3200" dirty="0">
+              <a:solidFill>
+                <a:srgbClr val="012456"/>
+              </a:solidFill>
+            </a:endParaRPr>
+          </a:p>
+          <a:p>
+            <a:endParaRPr lang="en-GB" dirty="0">
+              <a:solidFill>
+                <a:srgbClr val="012456"/>
+              </a:solidFill>
+            </a:endParaRPr>
+          </a:p>
+          <a:p>
+            <a:r>
+              <a:rPr lang="en-GB" dirty="0">
+                <a:solidFill>
+                  <a:srgbClr val="012456"/>
+                </a:solidFill>
+              </a:rPr>
+              <a:t>How to Contact </a:t>
+            </a:r>
+            <a:r>
+              <a:rPr lang="en-GB" dirty="0" err="1">
+                <a:solidFill>
+                  <a:srgbClr val="012456"/>
+                </a:solidFill>
+              </a:rPr>
+              <a:t>Cláudio</a:t>
+            </a:r>
+            <a:endParaRPr lang="en-GB" dirty="0">
+              <a:solidFill>
+                <a:srgbClr val="012456"/>
+              </a:solidFill>
+            </a:endParaRPr>
+          </a:p>
+          <a:p>
+            <a:endParaRPr lang="en-GB" sz="3200" dirty="0">
+              <a:solidFill>
+                <a:srgbClr val="012456"/>
+              </a:solidFill>
+            </a:endParaRPr>
+          </a:p>
+        </p:txBody>
+      </p:sp>
+      <p:pic>
+        <p:nvPicPr>
+          <p:cNvPr id="8" name="Picture 7" descr="A person wearing a uniform&#10;&#10;Description generated with high confidence"/>
+          <p:cNvPicPr>
+            <a:picLocks noChangeAspect="1"/>
+          </p:cNvPicPr>
+          <p:nvPr/>
+        </p:nvPicPr>
+        <p:blipFill>
+          <a:blip r:embed="rId6">
+            <a:extLst>
+              <a:ext uri="{28A0092B-C50C-407E-A947-70E740481C1C}">
+                <a14:useLocalDpi xmlns:a14="http://schemas.microsoft.com/office/drawing/2010/main" val="0"/>
+              </a:ext>
+            </a:extLst>
+          </a:blip>
+          <a:stretch>
+            <a:fillRect/>
+          </a:stretch>
+        </p:blipFill>
+        <p:spPr>
+          <a:xfrm>
+            <a:off x="8652352" y="1724979"/>
+            <a:ext cx="2873444" cy="2922647"/>
+          </a:xfrm>
+          <a:prstGeom prst="rect">
+            <a:avLst/>
+          </a:prstGeom>
+        </p:spPr>
+      </p:pic>
+      <p:pic>
+        <p:nvPicPr>
+          <p:cNvPr id="12" name="Picture 11"/>
+          <p:cNvPicPr>
+            <a:picLocks noChangeAspect="1"/>
+          </p:cNvPicPr>
+          <p:nvPr/>
+        </p:nvPicPr>
+        <p:blipFill>
+          <a:blip r:embed="rId7">
+            <a:extLst>
+              <a:ext uri="{28A0092B-C50C-407E-A947-70E740481C1C}">
+                <a14:useLocalDpi xmlns:a14="http://schemas.microsoft.com/office/drawing/2010/main" val="0"/>
+              </a:ext>
+            </a:extLst>
+          </a:blip>
+          <a:stretch>
+            <a:fillRect/>
+          </a:stretch>
+        </p:blipFill>
+        <p:spPr>
+          <a:xfrm>
+            <a:off x="11126009" y="5781675"/>
+            <a:ext cx="1088709" cy="1080000"/>
+          </a:xfrm>
+          <a:prstGeom prst="rect">
+            <a:avLst/>
+          </a:prstGeom>
+        </p:spPr>
+      </p:pic>
     </p:spTree>
     <p:extLst>
       <p:ext uri="{BB962C8B-B14F-4D97-AF65-F5344CB8AC3E}">
@@ -6590,6 +7602,20 @@
 <file path=ppt/slides/slide9.xml><?xml version="1.0" encoding="utf-8"?>
 <p:sld xmlns:a="http://schemas.openxmlformats.org/drawingml/2006/main" xmlns:r="http://schemas.openxmlformats.org/officeDocument/2006/relationships" xmlns:p="http://schemas.openxmlformats.org/presentationml/2006/main">
   <p:cSld>
+    <p:bg>
+      <p:bgPr>
+        <a:blipFill dpi="0" rotWithShape="1">
+          <a:blip r:embed="rId2">
+            <a:lum/>
+          </a:blip>
+          <a:srcRect/>
+          <a:stretch>
+            <a:fillRect t="-9000" b="-9000"/>
+          </a:stretch>
+        </a:blipFill>
+        <a:effectLst/>
+      </p:bgPr>
+    </p:bg>
     <p:spTree>
       <p:nvGrpSpPr>
         <p:cNvPr id="1" name=""/>
@@ -6658,8 +7684,8 @@
         </p:nvSpPr>
         <p:spPr>
           <a:xfrm>
-            <a:off x="1732990" y="63995"/>
-            <a:ext cx="8594652" cy="1200329"/>
+            <a:off x="184030" y="95394"/>
+            <a:ext cx="11846944" cy="2308324"/>
           </a:xfrm>
           <a:prstGeom prst="rect">
             <a:avLst/>
@@ -6681,7 +7707,7 @@
                     <a:lumOff val="25000"/>
                   </a:schemeClr>
                 </a:solidFill>
-                <a:latin typeface="Gill Sans MT Condensed" panose="020B0506020104020203" pitchFamily="34" charset="0"/>
+                <a:latin typeface="Algerian" panose="04020705040A02060702" pitchFamily="82" charset="0"/>
               </a:rPr>
               <a:t>THANK YOU TO OUR SPONSORS</a:t>
             </a:r>
@@ -6691,36 +7717,6 @@
       <p:pic>
         <p:nvPicPr>
           <p:cNvPr id="13" name="Picture 12"/>
-          <p:cNvPicPr>
-            <a:picLocks noChangeAspect="1"/>
-          </p:cNvPicPr>
-          <p:nvPr/>
-        </p:nvPicPr>
-        <p:blipFill>
-          <a:blip r:embed="rId2" cstate="print">
-            <a:extLst>
-              <a:ext uri="{28A0092B-C50C-407E-A947-70E740481C1C}">
-                <a14:useLocalDpi xmlns:a14="http://schemas.microsoft.com/office/drawing/2010/main" val="0"/>
-              </a:ext>
-            </a:extLst>
-          </a:blip>
-          <a:stretch>
-            <a:fillRect/>
-          </a:stretch>
-        </p:blipFill>
-        <p:spPr>
-          <a:xfrm>
-            <a:off x="7131990" y="2172356"/>
-            <a:ext cx="3000438" cy="783322"/>
-          </a:xfrm>
-          <a:prstGeom prst="rect">
-            <a:avLst/>
-          </a:prstGeom>
-        </p:spPr>
-      </p:pic>
-      <p:pic>
-        <p:nvPicPr>
-          <p:cNvPr id="14" name="Picture 13"/>
           <p:cNvPicPr>
             <a:picLocks noChangeAspect="1"/>
           </p:cNvPicPr>
@@ -6740,8 +7736,8 @@
         </p:blipFill>
         <p:spPr>
           <a:xfrm>
-            <a:off x="916558" y="1664017"/>
-            <a:ext cx="4893381" cy="1800000"/>
+            <a:off x="7131990" y="2172356"/>
+            <a:ext cx="3000438" cy="783322"/>
           </a:xfrm>
           <a:prstGeom prst="rect">
             <a:avLst/>
@@ -6750,14 +7746,14 @@
       </p:pic>
       <p:pic>
         <p:nvPicPr>
-          <p:cNvPr id="15" name="Picture 14"/>
+          <p:cNvPr id="14" name="Picture 13"/>
           <p:cNvPicPr>
             <a:picLocks noChangeAspect="1"/>
           </p:cNvPicPr>
           <p:nvPr/>
         </p:nvPicPr>
         <p:blipFill>
-          <a:blip r:embed="rId4">
+          <a:blip r:embed="rId4" cstate="print">
             <a:extLst>
               <a:ext uri="{28A0092B-C50C-407E-A947-70E740481C1C}">
                 <a14:useLocalDpi xmlns:a14="http://schemas.microsoft.com/office/drawing/2010/main" val="0"/>
@@ -6770,8 +7766,8 @@
         </p:blipFill>
         <p:spPr>
           <a:xfrm>
-            <a:off x="1873672" y="4372311"/>
-            <a:ext cx="3441600" cy="720000"/>
+            <a:off x="916558" y="1664017"/>
+            <a:ext cx="4893381" cy="1800000"/>
           </a:xfrm>
           <a:prstGeom prst="rect">
             <a:avLst/>
@@ -6780,7 +7776,7 @@
       </p:pic>
       <p:pic>
         <p:nvPicPr>
-          <p:cNvPr id="16" name="Picture 15"/>
+          <p:cNvPr id="15" name="Picture 14"/>
           <p:cNvPicPr>
             <a:picLocks noChangeAspect="1"/>
           </p:cNvPicPr>
@@ -6800,6 +7796,36 @@
         </p:blipFill>
         <p:spPr>
           <a:xfrm>
+            <a:off x="1873672" y="4372311"/>
+            <a:ext cx="3441600" cy="720000"/>
+          </a:xfrm>
+          <a:prstGeom prst="rect">
+            <a:avLst/>
+          </a:prstGeom>
+        </p:spPr>
+      </p:pic>
+      <p:pic>
+        <p:nvPicPr>
+          <p:cNvPr id="16" name="Picture 15"/>
+          <p:cNvPicPr>
+            <a:picLocks noChangeAspect="1"/>
+          </p:cNvPicPr>
+          <p:nvPr/>
+        </p:nvPicPr>
+        <p:blipFill>
+          <a:blip r:embed="rId6">
+            <a:extLst>
+              <a:ext uri="{28A0092B-C50C-407E-A947-70E740481C1C}">
+                <a14:useLocalDpi xmlns:a14="http://schemas.microsoft.com/office/drawing/2010/main" val="0"/>
+              </a:ext>
+            </a:extLst>
+          </a:blip>
+          <a:stretch>
+            <a:fillRect/>
+          </a:stretch>
+        </p:blipFill>
+        <p:spPr>
+          <a:xfrm>
             <a:off x="7131990" y="3832311"/>
             <a:ext cx="2550118" cy="1260000"/>
           </a:xfrm>
@@ -6817,7 +7843,7 @@
           <p:nvPr/>
         </p:nvPicPr>
         <p:blipFill>
-          <a:blip r:embed="rId6">
+          <a:blip r:embed="rId7">
             <a:extLst>
               <a:ext uri="{28A0092B-C50C-407E-A947-70E740481C1C}">
                 <a14:useLocalDpi xmlns:a14="http://schemas.microsoft.com/office/drawing/2010/main" val="0"/>

--- a/TUGAIT 2017 dbatools/dbatools - SQL Server and PowerShell together.pptx
+++ b/TUGAIT 2017 dbatools/dbatools - SQL Server and PowerShell together.pptx
@@ -123,6 +123,10 @@
 </p:presentation>
 </file>
 
+<file path=ppt/revisionInfo.xml><?xml version="1.0" encoding="utf-8"?>
+<p1510:revInfo xmlns:a="http://schemas.openxmlformats.org/drawingml/2006/main" xmlns:r="http://schemas.openxmlformats.org/officeDocument/2006/relationships" xmlns:p1510="http://schemas.microsoft.com/office/powerpoint/2015/10/main"/>
+</file>
+
 <file path=ppt/notesMasters/notesMaster1.xml><?xml version="1.0" encoding="utf-8"?>
 <p:notesMaster xmlns:a="http://schemas.openxmlformats.org/drawingml/2006/main" xmlns:r="http://schemas.openxmlformats.org/officeDocument/2006/relationships" xmlns:p="http://schemas.openxmlformats.org/presentationml/2006/main">
   <p:cSld>
@@ -1988,7 +1992,7 @@
           </a:ln>
           <a:extLst>
             <a:ext uri="{C572A759-6A51-4108-AA02-DFA0A04FC94B}">
-              <ma14:wrappingTextBoxFlag xmlns="" xmlns:ma14="http://schemas.microsoft.com/office/mac/drawingml/2011/main" val="1"/>
+              <ma14:wrappingTextBoxFlag xmlns:ma14="http://schemas.microsoft.com/office/mac/drawingml/2011/main" xmlns="" val="1"/>
             </a:ext>
           </a:extLst>
         </p:spPr>
@@ -5239,8 +5243,8 @@
         </p:nvSpPr>
         <p:spPr>
           <a:xfrm>
-            <a:off x="4401321" y="5819955"/>
-            <a:ext cx="7683260" cy="584775"/>
+            <a:off x="4482780" y="5660424"/>
+            <a:ext cx="3415041" cy="584775"/>
           </a:xfrm>
           <a:prstGeom prst="rect">
             <a:avLst/>
@@ -6191,7 +6195,7 @@
                 <a:latin typeface="Calibri" panose="020F0502020204030204" pitchFamily="34" charset="0"/>
                 <a:cs typeface="Calibri" panose="020F0502020204030204" pitchFamily="34" charset="0"/>
               </a:rPr>
-              <a:t>PowerShell Gallery</a:t>
+              <a:t>PowerShell Gallery (PowerShell v5+)</a:t>
             </a:r>
           </a:p>
           <a:p>
@@ -7155,7 +7159,7 @@
           </a:ln>
           <a:extLst>
             <a:ext uri="{C572A759-6A51-4108-AA02-DFA0A04FC94B}">
-              <ma14:wrappingTextBoxFlag xmlns="" xmlns:ma14="http://schemas.microsoft.com/office/mac/drawingml/2011/main" val="1"/>
+              <ma14:wrappingTextBoxFlag xmlns:ma14="http://schemas.microsoft.com/office/mac/drawingml/2011/main" xmlns="" val="1"/>
             </a:ext>
           </a:extLst>
         </p:spPr>
@@ -7207,8 +7211,8 @@
         </p:nvSpPr>
         <p:spPr>
           <a:xfrm>
-            <a:off x="292467" y="847102"/>
-            <a:ext cx="4286778" cy="4801314"/>
+            <a:off x="261082" y="785428"/>
+            <a:ext cx="2415564" cy="923330"/>
           </a:xfrm>
           <a:prstGeom prst="rect">
             <a:avLst/>
@@ -7231,154 +7235,75 @@
               <a:t>Rob</a:t>
             </a:r>
           </a:p>
-          <a:p>
-            <a:endParaRPr lang="en-GB" dirty="0">
-              <a:solidFill>
-                <a:srgbClr val="012456"/>
-              </a:solidFill>
-            </a:endParaRPr>
-          </a:p>
-          <a:p>
-            <a:endParaRPr lang="en-GB" dirty="0">
-              <a:solidFill>
-                <a:srgbClr val="012456"/>
-              </a:solidFill>
-            </a:endParaRPr>
-          </a:p>
-          <a:p>
-            <a:endParaRPr lang="en-GB" dirty="0">
-              <a:solidFill>
-                <a:srgbClr val="012456"/>
-              </a:solidFill>
-            </a:endParaRPr>
-          </a:p>
-          <a:p>
-            <a:endParaRPr lang="en-GB" dirty="0">
-              <a:solidFill>
-                <a:srgbClr val="012456"/>
-              </a:solidFill>
-            </a:endParaRPr>
-          </a:p>
-          <a:p>
-            <a:endParaRPr lang="en-GB" dirty="0">
-              <a:solidFill>
-                <a:srgbClr val="012456"/>
-              </a:solidFill>
-            </a:endParaRPr>
-          </a:p>
-          <a:p>
-            <a:endParaRPr lang="en-GB" dirty="0">
-              <a:solidFill>
-                <a:srgbClr val="012456"/>
-              </a:solidFill>
-            </a:endParaRPr>
-          </a:p>
-          <a:p>
-            <a:endParaRPr lang="en-GB" dirty="0">
-              <a:solidFill>
-                <a:srgbClr val="012456"/>
-              </a:solidFill>
-            </a:endParaRPr>
-          </a:p>
-          <a:p>
-            <a:endParaRPr lang="en-GB" dirty="0">
-              <a:solidFill>
-                <a:srgbClr val="012456"/>
-              </a:solidFill>
-            </a:endParaRPr>
-          </a:p>
-          <a:p>
-            <a:endParaRPr lang="en-GB" dirty="0">
-              <a:solidFill>
-                <a:srgbClr val="012456"/>
-              </a:solidFill>
-            </a:endParaRPr>
-          </a:p>
-          <a:p>
-            <a:endParaRPr lang="en-GB" dirty="0">
-              <a:solidFill>
-                <a:srgbClr val="012456"/>
-              </a:solidFill>
-            </a:endParaRPr>
-          </a:p>
-          <a:p>
-            <a:endParaRPr lang="en-GB" dirty="0">
-              <a:solidFill>
-                <a:srgbClr val="012456"/>
-              </a:solidFill>
-            </a:endParaRPr>
-          </a:p>
-          <a:p>
-            <a:r>
-              <a:rPr lang="en-GB" dirty="0">
+        </p:txBody>
+      </p:sp>
+      <p:pic>
+        <p:nvPicPr>
+          <p:cNvPr id="4" name="Picture 3" descr="A person wearing a hat&#10;&#10;Description generated with high confidence"/>
+          <p:cNvPicPr>
+            <a:picLocks noChangeAspect="1"/>
+          </p:cNvPicPr>
+          <p:nvPr/>
+        </p:nvPicPr>
+        <p:blipFill>
+          <a:blip r:embed="rId4">
+            <a:extLst>
+              <a:ext uri="{28A0092B-C50C-407E-A947-70E740481C1C}">
+                <a14:useLocalDpi xmlns:a14="http://schemas.microsoft.com/office/drawing/2010/main" val="0"/>
+              </a:ext>
+            </a:extLst>
+          </a:blip>
+          <a:stretch>
+            <a:fillRect/>
+          </a:stretch>
+        </p:blipFill>
+        <p:spPr>
+          <a:xfrm>
+            <a:off x="1509256" y="1597494"/>
+            <a:ext cx="1585636" cy="2812027"/>
+          </a:xfrm>
+          <a:prstGeom prst="rect">
+            <a:avLst/>
+          </a:prstGeom>
+        </p:spPr>
+      </p:pic>
+      <p:sp>
+        <p:nvSpPr>
+          <p:cNvPr id="5" name="TextBox 4"/>
+          <p:cNvSpPr txBox="1"/>
+          <p:nvPr/>
+        </p:nvSpPr>
+        <p:spPr>
+          <a:xfrm>
+            <a:off x="8214288" y="789807"/>
+            <a:ext cx="3456075" cy="923330"/>
+          </a:xfrm>
+          <a:prstGeom prst="rect">
+            <a:avLst/>
+          </a:prstGeom>
+          <a:noFill/>
+        </p:spPr>
+        <p:txBody>
+          <a:bodyPr wrap="square" rtlCol="0">
+            <a:spAutoFit/>
+          </a:bodyPr>
+          <a:lstStyle/>
+          <a:p>
+            <a:r>
+              <a:rPr lang="en-GB" sz="5400" dirty="0">
                 <a:solidFill>
                   <a:srgbClr val="012456"/>
                 </a:solidFill>
+                <a:latin typeface="Harlow Solid Italic" panose="04030604020F02020D02" pitchFamily="82" charset="0"/>
               </a:rPr>
-              <a:t>sqldbawith</a:t>
-            </a:r>
-            <a:r>
-              <a:rPr lang="en-GB" dirty="0">
-                <a:solidFill>
-                  <a:srgbClr val="FF0000"/>
-                </a:solidFill>
-              </a:rPr>
-              <a:t>A</a:t>
-            </a:r>
-            <a:r>
-              <a:rPr lang="en-GB" dirty="0">
-                <a:solidFill>
-                  <a:srgbClr val="012456"/>
-                </a:solidFill>
-              </a:rPr>
-              <a:t>beard.com</a:t>
-            </a:r>
-          </a:p>
-          <a:p>
-            <a:r>
-              <a:rPr lang="en-GB" dirty="0">
-                <a:solidFill>
-                  <a:srgbClr val="012456"/>
-                </a:solidFill>
-              </a:rPr>
-              <a:t>@</a:t>
-            </a:r>
-            <a:r>
-              <a:rPr lang="en-GB" dirty="0" err="1">
-                <a:solidFill>
-                  <a:srgbClr val="012456"/>
-                </a:solidFill>
-              </a:rPr>
-              <a:t>sqldbawithbeard</a:t>
-            </a:r>
-            <a:endParaRPr lang="en-GB" dirty="0">
-              <a:solidFill>
-                <a:srgbClr val="012456"/>
-              </a:solidFill>
-            </a:endParaRPr>
-          </a:p>
-          <a:p>
-            <a:r>
-              <a:rPr lang="en-GB" u="sng" dirty="0">
-                <a:hlinkClick r:id="rId4"/>
-              </a:rPr>
-              <a:t>https://uk.linkedin.com/in/robsewellsqldba</a:t>
-            </a:r>
-            <a:r>
-              <a:rPr lang="en-GB" u="sng" dirty="0"/>
-              <a:t> </a:t>
-            </a:r>
-            <a:endParaRPr lang="en-GB" dirty="0">
-              <a:solidFill>
-                <a:srgbClr val="012456"/>
-              </a:solidFill>
-            </a:endParaRPr>
+              <a:t>Cláudio</a:t>
+            </a:r>
           </a:p>
         </p:txBody>
       </p:sp>
       <p:pic>
         <p:nvPicPr>
-          <p:cNvPr id="4" name="Picture 3" descr="A person wearing a hat&#10;&#10;Description generated with high confidence"/>
+          <p:cNvPr id="8" name="Picture 7" descr="A person wearing a uniform&#10;&#10;Description generated with high confidence"/>
           <p:cNvPicPr>
             <a:picLocks noChangeAspect="1"/>
           </p:cNvPicPr>
@@ -7398,157 +7323,8 @@
         </p:blipFill>
         <p:spPr>
           <a:xfrm>
-            <a:off x="1509256" y="1597494"/>
-            <a:ext cx="1648012" cy="2922647"/>
-          </a:xfrm>
-          <a:prstGeom prst="rect">
-            <a:avLst/>
-          </a:prstGeom>
-        </p:spPr>
-      </p:pic>
-      <p:sp>
-        <p:nvSpPr>
-          <p:cNvPr id="5" name="TextBox 4"/>
-          <p:cNvSpPr txBox="1"/>
-          <p:nvPr/>
-        </p:nvSpPr>
-        <p:spPr>
-          <a:xfrm>
-            <a:off x="7953555" y="847102"/>
-            <a:ext cx="3960720" cy="4924425"/>
-          </a:xfrm>
-          <a:prstGeom prst="rect">
-            <a:avLst/>
-          </a:prstGeom>
-          <a:noFill/>
-        </p:spPr>
-        <p:txBody>
-          <a:bodyPr wrap="square" rtlCol="0">
-            <a:spAutoFit/>
-          </a:bodyPr>
-          <a:lstStyle/>
-          <a:p>
-            <a:r>
-              <a:rPr lang="en-GB" sz="5400" dirty="0" err="1">
-                <a:solidFill>
-                  <a:srgbClr val="012456"/>
-                </a:solidFill>
-                <a:latin typeface="Harlow Solid Italic" panose="04030604020F02020D02" pitchFamily="82" charset="0"/>
-              </a:rPr>
-              <a:t>Cláudio</a:t>
-            </a:r>
-            <a:endParaRPr lang="en-GB" sz="5400" dirty="0">
-              <a:solidFill>
-                <a:srgbClr val="012456"/>
-              </a:solidFill>
-              <a:latin typeface="Harlow Solid Italic" panose="04030604020F02020D02" pitchFamily="82" charset="0"/>
-            </a:endParaRPr>
-          </a:p>
-          <a:p>
-            <a:endParaRPr lang="en-GB" sz="3200" dirty="0">
-              <a:solidFill>
-                <a:srgbClr val="012456"/>
-              </a:solidFill>
-            </a:endParaRPr>
-          </a:p>
-          <a:p>
-            <a:endParaRPr lang="en-GB" sz="3200" dirty="0">
-              <a:solidFill>
-                <a:srgbClr val="012456"/>
-              </a:solidFill>
-            </a:endParaRPr>
-          </a:p>
-          <a:p>
-            <a:endParaRPr lang="en-GB" sz="3200" dirty="0">
-              <a:solidFill>
-                <a:srgbClr val="012456"/>
-              </a:solidFill>
-            </a:endParaRPr>
-          </a:p>
-          <a:p>
-            <a:endParaRPr lang="en-GB" sz="3200" dirty="0">
-              <a:solidFill>
-                <a:srgbClr val="012456"/>
-              </a:solidFill>
-            </a:endParaRPr>
-          </a:p>
-          <a:p>
-            <a:endParaRPr lang="en-GB" sz="3200" dirty="0">
-              <a:solidFill>
-                <a:srgbClr val="012456"/>
-              </a:solidFill>
-            </a:endParaRPr>
-          </a:p>
-          <a:p>
-            <a:endParaRPr lang="en-GB" sz="3200" dirty="0">
-              <a:solidFill>
-                <a:srgbClr val="012456"/>
-              </a:solidFill>
-            </a:endParaRPr>
-          </a:p>
-          <a:p>
-            <a:endParaRPr lang="en-GB" dirty="0">
-              <a:solidFill>
-                <a:srgbClr val="012456"/>
-              </a:solidFill>
-            </a:endParaRPr>
-          </a:p>
-          <a:p>
-            <a:r>
-              <a:rPr lang="en-GB" dirty="0">
-                <a:solidFill>
-                  <a:srgbClr val="012456"/>
-                </a:solidFill>
-              </a:rPr>
-              <a:t>How to Contact </a:t>
-            </a:r>
-            <a:r>
-              <a:rPr lang="en-GB" dirty="0" err="1">
-                <a:solidFill>
-                  <a:srgbClr val="012456"/>
-                </a:solidFill>
-              </a:rPr>
-              <a:t>Cláudio</a:t>
-            </a:r>
-            <a:endParaRPr lang="en-GB" dirty="0">
-              <a:solidFill>
-                <a:srgbClr val="012456"/>
-              </a:solidFill>
-            </a:endParaRPr>
-          </a:p>
-          <a:p>
-            <a:endParaRPr lang="en-GB" sz="3200" dirty="0">
-              <a:solidFill>
-                <a:srgbClr val="012456"/>
-              </a:solidFill>
-            </a:endParaRPr>
-          </a:p>
-        </p:txBody>
-      </p:sp>
-      <p:pic>
-        <p:nvPicPr>
-          <p:cNvPr id="8" name="Picture 7" descr="A person wearing a uniform&#10;&#10;Description generated with high confidence"/>
-          <p:cNvPicPr>
-            <a:picLocks noChangeAspect="1"/>
-          </p:cNvPicPr>
-          <p:nvPr/>
-        </p:nvPicPr>
-        <p:blipFill>
-          <a:blip r:embed="rId6">
-            <a:extLst>
-              <a:ext uri="{28A0092B-C50C-407E-A947-70E740481C1C}">
-                <a14:useLocalDpi xmlns:a14="http://schemas.microsoft.com/office/drawing/2010/main" val="0"/>
-              </a:ext>
-            </a:extLst>
-          </a:blip>
-          <a:stretch>
-            <a:fillRect/>
-          </a:stretch>
-        </p:blipFill>
-        <p:spPr>
-          <a:xfrm>
-            <a:off x="8652352" y="1724979"/>
-            <a:ext cx="2873444" cy="2922647"/>
+            <a:off x="8458199" y="1597494"/>
+            <a:ext cx="2763053" cy="2810365"/>
           </a:xfrm>
           <a:prstGeom prst="rect">
             <a:avLst/>
@@ -7564,7 +7340,7 @@
           <p:nvPr/>
         </p:nvPicPr>
         <p:blipFill>
-          <a:blip r:embed="rId7">
+          <a:blip r:embed="rId6">
             <a:extLst>
               <a:ext uri="{28A0092B-C50C-407E-A947-70E740481C1C}">
                 <a14:useLocalDpi xmlns:a14="http://schemas.microsoft.com/office/drawing/2010/main" val="0"/>
@@ -7585,6 +7361,697 @@
           </a:prstGeom>
         </p:spPr>
       </p:pic>
+      <p:grpSp>
+        <p:nvGrpSpPr>
+          <p:cNvPr id="11" name="Group 10"/>
+          <p:cNvGrpSpPr/>
+          <p:nvPr/>
+        </p:nvGrpSpPr>
+        <p:grpSpPr>
+          <a:xfrm>
+            <a:off x="8633007" y="4614460"/>
+            <a:ext cx="1820419" cy="485775"/>
+            <a:chOff x="104209" y="5480224"/>
+            <a:chExt cx="1856583" cy="485775"/>
+          </a:xfrm>
+        </p:grpSpPr>
+        <p:pic>
+          <p:nvPicPr>
+            <p:cNvPr id="13" name="Picture 3" descr="twitter.png"/>
+            <p:cNvPicPr>
+              <a:picLocks noChangeAspect="1"/>
+            </p:cNvPicPr>
+            <p:nvPr/>
+          </p:nvPicPr>
+          <p:blipFill>
+            <a:blip r:embed="rId7" cstate="print">
+              <a:extLst>
+                <a:ext uri="{28A0092B-C50C-407E-A947-70E740481C1C}">
+                  <a14:useLocalDpi xmlns:a14="http://schemas.microsoft.com/office/drawing/2010/main" val="0"/>
+                </a:ext>
+              </a:extLst>
+            </a:blip>
+            <a:srcRect/>
+            <a:stretch>
+              <a:fillRect/>
+            </a:stretch>
+          </p:blipFill>
+          <p:spPr bwMode="auto">
+            <a:xfrm>
+              <a:off x="104209" y="5480224"/>
+              <a:ext cx="485775" cy="485775"/>
+            </a:xfrm>
+            <a:prstGeom prst="rect">
+              <a:avLst/>
+            </a:prstGeom>
+            <a:noFill/>
+            <a:ln>
+              <a:noFill/>
+            </a:ln>
+            <a:extLst>
+              <a:ext uri="{909E8E84-426E-40dd-AFC4-6F175D3DCCD1}">
+                <a14:hiddenFill xmlns="" xmlns:a14="http://schemas.microsoft.com/office/drawing/2010/main">
+                  <a:solidFill>
+                    <a:srgbClr val="FFFFFF"/>
+                  </a:solidFill>
+                </a14:hiddenFill>
+              </a:ext>
+              <a:ext uri="{91240B29-F687-4f45-9708-019B960494DF}">
+                <a14:hiddenLine xmlns="" xmlns:a14="http://schemas.microsoft.com/office/drawing/2010/main" w="9525">
+                  <a:solidFill>
+                    <a:srgbClr val="000000"/>
+                  </a:solidFill>
+                  <a:miter lim="800000"/>
+                  <a:headEnd/>
+                  <a:tailEnd/>
+                </a14:hiddenLine>
+              </a:ext>
+            </a:extLst>
+          </p:spPr>
+        </p:pic>
+        <p:sp>
+          <p:nvSpPr>
+            <p:cNvPr id="14" name="Rectangle 6"/>
+            <p:cNvSpPr>
+              <a:spLocks noChangeArrowheads="1"/>
+            </p:cNvSpPr>
+            <p:nvPr/>
+          </p:nvSpPr>
+          <p:spPr bwMode="auto">
+            <a:xfrm>
+              <a:off x="104209" y="5556912"/>
+              <a:ext cx="1856583" cy="332399"/>
+            </a:xfrm>
+            <a:prstGeom prst="rect">
+              <a:avLst/>
+            </a:prstGeom>
+            <a:noFill/>
+            <a:ln>
+              <a:noFill/>
+            </a:ln>
+            <a:extLst>
+              <a:ext uri="{909E8E84-426E-40dd-AFC4-6F175D3DCCD1}">
+                <a14:hiddenFill xmlns="" xmlns:a14="http://schemas.microsoft.com/office/drawing/2010/main">
+                  <a:solidFill>
+                    <a:srgbClr val="FFFFFF"/>
+                  </a:solidFill>
+                </a14:hiddenFill>
+              </a:ext>
+              <a:ext uri="{91240B29-F687-4f45-9708-019B960494DF}">
+                <a14:hiddenLine xmlns="" xmlns:a14="http://schemas.microsoft.com/office/drawing/2010/main" w="9525">
+                  <a:solidFill>
+                    <a:srgbClr val="000000"/>
+                  </a:solidFill>
+                  <a:miter lim="800000"/>
+                  <a:headEnd/>
+                  <a:tailEnd/>
+                </a14:hiddenLine>
+              </a:ext>
+            </a:extLst>
+          </p:spPr>
+          <p:txBody>
+            <a:bodyPr wrap="square">
+              <a:spAutoFit/>
+            </a:bodyPr>
+            <a:lstStyle/>
+            <a:p>
+              <a:pPr lvl="1">
+                <a:lnSpc>
+                  <a:spcPct val="120000"/>
+                </a:lnSpc>
+                <a:spcBef>
+                  <a:spcPts val="1500"/>
+                </a:spcBef>
+              </a:pPr>
+              <a:r>
+                <a:rPr lang="en-CA" sz="1300" dirty="0">
+                  <a:cs typeface="Proxima Nova Light" charset="0"/>
+                </a:rPr>
+                <a:t>@claudioessilva</a:t>
+              </a:r>
+            </a:p>
+          </p:txBody>
+        </p:sp>
+      </p:grpSp>
+      <p:grpSp>
+        <p:nvGrpSpPr>
+          <p:cNvPr id="18" name="Group 17"/>
+          <p:cNvGrpSpPr/>
+          <p:nvPr/>
+        </p:nvGrpSpPr>
+        <p:grpSpPr>
+          <a:xfrm>
+            <a:off x="8633007" y="5758450"/>
+            <a:ext cx="2233114" cy="501050"/>
+            <a:chOff x="6646631" y="5472586"/>
+            <a:chExt cx="2277476" cy="501050"/>
+          </a:xfrm>
+        </p:grpSpPr>
+        <p:pic>
+          <p:nvPicPr>
+            <p:cNvPr id="19" name="Picture 18"/>
+            <p:cNvPicPr>
+              <a:picLocks noChangeAspect="1"/>
+            </p:cNvPicPr>
+            <p:nvPr/>
+          </p:nvPicPr>
+          <p:blipFill>
+            <a:blip r:embed="rId8"/>
+            <a:stretch>
+              <a:fillRect/>
+            </a:stretch>
+          </p:blipFill>
+          <p:spPr>
+            <a:xfrm>
+              <a:off x="6646631" y="5472586"/>
+              <a:ext cx="501050" cy="501050"/>
+            </a:xfrm>
+            <a:prstGeom prst="rect">
+              <a:avLst/>
+            </a:prstGeom>
+          </p:spPr>
+        </p:pic>
+        <p:sp>
+          <p:nvSpPr>
+            <p:cNvPr id="20" name="TextBox 19"/>
+            <p:cNvSpPr txBox="1"/>
+            <p:nvPr/>
+          </p:nvSpPr>
+          <p:spPr>
+            <a:xfrm>
+              <a:off x="6646632" y="5576917"/>
+              <a:ext cx="2277475" cy="292388"/>
+            </a:xfrm>
+            <a:prstGeom prst="rect">
+              <a:avLst/>
+            </a:prstGeom>
+            <a:noFill/>
+          </p:spPr>
+          <p:txBody>
+            <a:bodyPr wrap="square" rtlCol="0">
+              <a:spAutoFit/>
+            </a:bodyPr>
+            <a:lstStyle/>
+            <a:p>
+              <a:pPr lvl="1"/>
+              <a:r>
+                <a:rPr lang="en-US" sz="1300" dirty="0"/>
+                <a:t>redglue.eu/blog</a:t>
+              </a:r>
+            </a:p>
+          </p:txBody>
+        </p:sp>
+      </p:grpSp>
+      <p:grpSp>
+        <p:nvGrpSpPr>
+          <p:cNvPr id="21" name="Group 20"/>
+          <p:cNvGrpSpPr/>
+          <p:nvPr/>
+        </p:nvGrpSpPr>
+        <p:grpSpPr>
+          <a:xfrm>
+            <a:off x="8633007" y="5183947"/>
+            <a:ext cx="1716980" cy="485775"/>
+            <a:chOff x="1980403" y="5480224"/>
+            <a:chExt cx="1751089" cy="485775"/>
+          </a:xfrm>
+        </p:grpSpPr>
+        <p:sp>
+          <p:nvSpPr>
+            <p:cNvPr id="22" name="Rectangle 12"/>
+            <p:cNvSpPr>
+              <a:spLocks noChangeArrowheads="1"/>
+            </p:cNvSpPr>
+            <p:nvPr/>
+          </p:nvSpPr>
+          <p:spPr bwMode="auto">
+            <a:xfrm>
+              <a:off x="1999454" y="5567941"/>
+              <a:ext cx="1732038" cy="332399"/>
+            </a:xfrm>
+            <a:prstGeom prst="rect">
+              <a:avLst/>
+            </a:prstGeom>
+            <a:noFill/>
+            <a:ln>
+              <a:noFill/>
+            </a:ln>
+            <a:extLst>
+              <a:ext uri="{909E8E84-426E-40dd-AFC4-6F175D3DCCD1}">
+                <a14:hiddenFill xmlns="" xmlns:a14="http://schemas.microsoft.com/office/drawing/2010/main">
+                  <a:solidFill>
+                    <a:srgbClr val="FFFFFF"/>
+                  </a:solidFill>
+                </a14:hiddenFill>
+              </a:ext>
+              <a:ext uri="{91240B29-F687-4f45-9708-019B960494DF}">
+                <a14:hiddenLine xmlns="" xmlns:a14="http://schemas.microsoft.com/office/drawing/2010/main" w="9525">
+                  <a:solidFill>
+                    <a:srgbClr val="000000"/>
+                  </a:solidFill>
+                  <a:miter lim="800000"/>
+                  <a:headEnd/>
+                  <a:tailEnd/>
+                </a14:hiddenLine>
+              </a:ext>
+            </a:extLst>
+          </p:spPr>
+          <p:txBody>
+            <a:bodyPr wrap="square">
+              <a:spAutoFit/>
+            </a:bodyPr>
+            <a:lstStyle/>
+            <a:p>
+              <a:pPr lvl="1">
+                <a:lnSpc>
+                  <a:spcPct val="120000"/>
+                </a:lnSpc>
+                <a:spcBef>
+                  <a:spcPts val="1500"/>
+                </a:spcBef>
+              </a:pPr>
+              <a:r>
+                <a:rPr lang="en-CA" sz="1300" dirty="0">
+                  <a:cs typeface="Proxima Nova Light" charset="0"/>
+                </a:rPr>
+                <a:t>claudioessilva</a:t>
+              </a:r>
+            </a:p>
+          </p:txBody>
+        </p:sp>
+        <p:pic>
+          <p:nvPicPr>
+            <p:cNvPr id="23" name="Picture 22" descr="linkedin.png"/>
+            <p:cNvPicPr>
+              <a:picLocks noChangeAspect="1"/>
+            </p:cNvPicPr>
+            <p:nvPr/>
+          </p:nvPicPr>
+          <p:blipFill>
+            <a:blip r:embed="rId9" cstate="print">
+              <a:extLst>
+                <a:ext uri="{28A0092B-C50C-407E-A947-70E740481C1C}">
+                  <a14:useLocalDpi xmlns:a14="http://schemas.microsoft.com/office/drawing/2010/main" val="0"/>
+                </a:ext>
+              </a:extLst>
+            </a:blip>
+            <a:srcRect/>
+            <a:stretch>
+              <a:fillRect/>
+            </a:stretch>
+          </p:blipFill>
+          <p:spPr bwMode="auto">
+            <a:xfrm>
+              <a:off x="1980403" y="5480224"/>
+              <a:ext cx="485775" cy="485775"/>
+            </a:xfrm>
+            <a:prstGeom prst="rect">
+              <a:avLst/>
+            </a:prstGeom>
+            <a:noFill/>
+            <a:ln>
+              <a:noFill/>
+            </a:ln>
+            <a:extLst>
+              <a:ext uri="{909E8E84-426E-40dd-AFC4-6F175D3DCCD1}">
+                <a14:hiddenFill xmlns="" xmlns:a14="http://schemas.microsoft.com/office/drawing/2010/main">
+                  <a:solidFill>
+                    <a:srgbClr val="FFFFFF"/>
+                  </a:solidFill>
+                </a14:hiddenFill>
+              </a:ext>
+              <a:ext uri="{91240B29-F687-4f45-9708-019B960494DF}">
+                <a14:hiddenLine xmlns="" xmlns:a14="http://schemas.microsoft.com/office/drawing/2010/main" w="9525">
+                  <a:solidFill>
+                    <a:srgbClr val="000000"/>
+                  </a:solidFill>
+                  <a:miter lim="800000"/>
+                  <a:headEnd/>
+                  <a:tailEnd/>
+                </a14:hiddenLine>
+              </a:ext>
+            </a:extLst>
+          </p:spPr>
+        </p:pic>
+      </p:grpSp>
+      <p:grpSp>
+        <p:nvGrpSpPr>
+          <p:cNvPr id="43" name="Group 42"/>
+          <p:cNvGrpSpPr/>
+          <p:nvPr/>
+        </p:nvGrpSpPr>
+        <p:grpSpPr>
+          <a:xfrm>
+            <a:off x="975835" y="4614460"/>
+            <a:ext cx="1971486" cy="485775"/>
+            <a:chOff x="104209" y="5480224"/>
+            <a:chExt cx="2010651" cy="485775"/>
+          </a:xfrm>
+        </p:grpSpPr>
+        <p:pic>
+          <p:nvPicPr>
+            <p:cNvPr id="44" name="Picture 3" descr="twitter.png"/>
+            <p:cNvPicPr>
+              <a:picLocks noChangeAspect="1"/>
+            </p:cNvPicPr>
+            <p:nvPr/>
+          </p:nvPicPr>
+          <p:blipFill>
+            <a:blip r:embed="rId7" cstate="print">
+              <a:extLst>
+                <a:ext uri="{28A0092B-C50C-407E-A947-70E740481C1C}">
+                  <a14:useLocalDpi xmlns:a14="http://schemas.microsoft.com/office/drawing/2010/main" val="0"/>
+                </a:ext>
+              </a:extLst>
+            </a:blip>
+            <a:srcRect/>
+            <a:stretch>
+              <a:fillRect/>
+            </a:stretch>
+          </p:blipFill>
+          <p:spPr bwMode="auto">
+            <a:xfrm>
+              <a:off x="104209" y="5480224"/>
+              <a:ext cx="485775" cy="485775"/>
+            </a:xfrm>
+            <a:prstGeom prst="rect">
+              <a:avLst/>
+            </a:prstGeom>
+            <a:noFill/>
+            <a:ln>
+              <a:noFill/>
+            </a:ln>
+            <a:extLst>
+              <a:ext uri="{909E8E84-426E-40dd-AFC4-6F175D3DCCD1}">
+                <a14:hiddenFill xmlns="" xmlns:a14="http://schemas.microsoft.com/office/drawing/2010/main">
+                  <a:solidFill>
+                    <a:srgbClr val="FFFFFF"/>
+                  </a:solidFill>
+                </a14:hiddenFill>
+              </a:ext>
+              <a:ext uri="{91240B29-F687-4f45-9708-019B960494DF}">
+                <a14:hiddenLine xmlns="" xmlns:a14="http://schemas.microsoft.com/office/drawing/2010/main" w="9525">
+                  <a:solidFill>
+                    <a:srgbClr val="000000"/>
+                  </a:solidFill>
+                  <a:miter lim="800000"/>
+                  <a:headEnd/>
+                  <a:tailEnd/>
+                </a14:hiddenLine>
+              </a:ext>
+            </a:extLst>
+          </p:spPr>
+        </p:pic>
+        <p:sp>
+          <p:nvSpPr>
+            <p:cNvPr id="45" name="Rectangle 6"/>
+            <p:cNvSpPr>
+              <a:spLocks noChangeArrowheads="1"/>
+            </p:cNvSpPr>
+            <p:nvPr/>
+          </p:nvSpPr>
+          <p:spPr bwMode="auto">
+            <a:xfrm>
+              <a:off x="104209" y="5556912"/>
+              <a:ext cx="2010651" cy="332399"/>
+            </a:xfrm>
+            <a:prstGeom prst="rect">
+              <a:avLst/>
+            </a:prstGeom>
+            <a:noFill/>
+            <a:ln>
+              <a:noFill/>
+            </a:ln>
+            <a:extLst>
+              <a:ext uri="{909E8E84-426E-40dd-AFC4-6F175D3DCCD1}">
+                <a14:hiddenFill xmlns="" xmlns:a14="http://schemas.microsoft.com/office/drawing/2010/main">
+                  <a:solidFill>
+                    <a:srgbClr val="FFFFFF"/>
+                  </a:solidFill>
+                </a14:hiddenFill>
+              </a:ext>
+              <a:ext uri="{91240B29-F687-4f45-9708-019B960494DF}">
+                <a14:hiddenLine xmlns="" xmlns:a14="http://schemas.microsoft.com/office/drawing/2010/main" w="9525">
+                  <a:solidFill>
+                    <a:srgbClr val="000000"/>
+                  </a:solidFill>
+                  <a:miter lim="800000"/>
+                  <a:headEnd/>
+                  <a:tailEnd/>
+                </a14:hiddenLine>
+              </a:ext>
+            </a:extLst>
+          </p:spPr>
+          <p:txBody>
+            <a:bodyPr wrap="square">
+              <a:spAutoFit/>
+            </a:bodyPr>
+            <a:lstStyle/>
+            <a:p>
+              <a:pPr lvl="1">
+                <a:lnSpc>
+                  <a:spcPct val="120000"/>
+                </a:lnSpc>
+                <a:spcBef>
+                  <a:spcPts val="1500"/>
+                </a:spcBef>
+              </a:pPr>
+              <a:r>
+                <a:rPr lang="en-GB" sz="1300" dirty="0"/>
+                <a:t>@</a:t>
+              </a:r>
+              <a:r>
+                <a:rPr lang="en-GB" sz="1300" dirty="0" err="1"/>
+                <a:t>sqldbawithbeard</a:t>
+              </a:r>
+              <a:endParaRPr lang="en-GB" sz="1300" dirty="0"/>
+            </a:p>
+          </p:txBody>
+        </p:sp>
+      </p:grpSp>
+      <p:grpSp>
+        <p:nvGrpSpPr>
+          <p:cNvPr id="49" name="Group 48"/>
+          <p:cNvGrpSpPr/>
+          <p:nvPr/>
+        </p:nvGrpSpPr>
+        <p:grpSpPr>
+          <a:xfrm>
+            <a:off x="975835" y="5183947"/>
+            <a:ext cx="1921144" cy="485775"/>
+            <a:chOff x="1980403" y="5480224"/>
+            <a:chExt cx="1959309" cy="485775"/>
+          </a:xfrm>
+        </p:grpSpPr>
+        <p:sp>
+          <p:nvSpPr>
+            <p:cNvPr id="50" name="Rectangle 12"/>
+            <p:cNvSpPr>
+              <a:spLocks noChangeArrowheads="1"/>
+            </p:cNvSpPr>
+            <p:nvPr/>
+          </p:nvSpPr>
+          <p:spPr bwMode="auto">
+            <a:xfrm>
+              <a:off x="1999453" y="5567941"/>
+              <a:ext cx="1940259" cy="316369"/>
+            </a:xfrm>
+            <a:prstGeom prst="rect">
+              <a:avLst/>
+            </a:prstGeom>
+            <a:noFill/>
+            <a:ln>
+              <a:noFill/>
+            </a:ln>
+            <a:extLst>
+              <a:ext uri="{909E8E84-426E-40dd-AFC4-6F175D3DCCD1}">
+                <a14:hiddenFill xmlns="" xmlns:a14="http://schemas.microsoft.com/office/drawing/2010/main">
+                  <a:solidFill>
+                    <a:srgbClr val="FFFFFF"/>
+                  </a:solidFill>
+                </a14:hiddenFill>
+              </a:ext>
+              <a:ext uri="{91240B29-F687-4f45-9708-019B960494DF}">
+                <a14:hiddenLine xmlns="" xmlns:a14="http://schemas.microsoft.com/office/drawing/2010/main" w="9525">
+                  <a:solidFill>
+                    <a:srgbClr val="000000"/>
+                  </a:solidFill>
+                  <a:miter lim="800000"/>
+                  <a:headEnd/>
+                  <a:tailEnd/>
+                </a14:hiddenLine>
+              </a:ext>
+            </a:extLst>
+          </p:spPr>
+          <p:txBody>
+            <a:bodyPr wrap="square">
+              <a:spAutoFit/>
+            </a:bodyPr>
+            <a:lstStyle/>
+            <a:p>
+              <a:pPr lvl="1">
+                <a:lnSpc>
+                  <a:spcPct val="120000"/>
+                </a:lnSpc>
+                <a:spcBef>
+                  <a:spcPts val="1500"/>
+                </a:spcBef>
+              </a:pPr>
+              <a:r>
+                <a:rPr lang="en-GB" sz="1300" u="sng" dirty="0" err="1"/>
+                <a:t>robsewellsqldba</a:t>
+              </a:r>
+              <a:endParaRPr lang="en-CA" sz="1300" dirty="0">
+                <a:cs typeface="Proxima Nova Light" charset="0"/>
+              </a:endParaRPr>
+            </a:p>
+          </p:txBody>
+        </p:sp>
+        <p:pic>
+          <p:nvPicPr>
+            <p:cNvPr id="51" name="Picture 50" descr="linkedin.png"/>
+            <p:cNvPicPr>
+              <a:picLocks noChangeAspect="1"/>
+            </p:cNvPicPr>
+            <p:nvPr/>
+          </p:nvPicPr>
+          <p:blipFill>
+            <a:blip r:embed="rId9" cstate="print">
+              <a:extLst>
+                <a:ext uri="{28A0092B-C50C-407E-A947-70E740481C1C}">
+                  <a14:useLocalDpi xmlns:a14="http://schemas.microsoft.com/office/drawing/2010/main" val="0"/>
+                </a:ext>
+              </a:extLst>
+            </a:blip>
+            <a:srcRect/>
+            <a:stretch>
+              <a:fillRect/>
+            </a:stretch>
+          </p:blipFill>
+          <p:spPr bwMode="auto">
+            <a:xfrm>
+              <a:off x="1980403" y="5480224"/>
+              <a:ext cx="485775" cy="485775"/>
+            </a:xfrm>
+            <a:prstGeom prst="rect">
+              <a:avLst/>
+            </a:prstGeom>
+            <a:noFill/>
+            <a:ln>
+              <a:noFill/>
+            </a:ln>
+            <a:extLst>
+              <a:ext uri="{909E8E84-426E-40dd-AFC4-6F175D3DCCD1}">
+                <a14:hiddenFill xmlns="" xmlns:a14="http://schemas.microsoft.com/office/drawing/2010/main">
+                  <a:solidFill>
+                    <a:srgbClr val="FFFFFF"/>
+                  </a:solidFill>
+                </a14:hiddenFill>
+              </a:ext>
+              <a:ext uri="{91240B29-F687-4f45-9708-019B960494DF}">
+                <a14:hiddenLine xmlns="" xmlns:a14="http://schemas.microsoft.com/office/drawing/2010/main" w="9525">
+                  <a:solidFill>
+                    <a:srgbClr val="000000"/>
+                  </a:solidFill>
+                  <a:miter lim="800000"/>
+                  <a:headEnd/>
+                  <a:tailEnd/>
+                </a14:hiddenLine>
+              </a:ext>
+            </a:extLst>
+          </p:spPr>
+        </p:pic>
+      </p:grpSp>
+      <p:grpSp>
+        <p:nvGrpSpPr>
+          <p:cNvPr id="61" name="Group 60"/>
+          <p:cNvGrpSpPr/>
+          <p:nvPr/>
+        </p:nvGrpSpPr>
+        <p:grpSpPr>
+          <a:xfrm>
+            <a:off x="975835" y="5757419"/>
+            <a:ext cx="2233114" cy="501050"/>
+            <a:chOff x="6646631" y="5472586"/>
+            <a:chExt cx="2277476" cy="501050"/>
+          </a:xfrm>
+        </p:grpSpPr>
+        <p:pic>
+          <p:nvPicPr>
+            <p:cNvPr id="62" name="Picture 61"/>
+            <p:cNvPicPr>
+              <a:picLocks noChangeAspect="1"/>
+            </p:cNvPicPr>
+            <p:nvPr/>
+          </p:nvPicPr>
+          <p:blipFill>
+            <a:blip r:embed="rId8"/>
+            <a:stretch>
+              <a:fillRect/>
+            </a:stretch>
+          </p:blipFill>
+          <p:spPr>
+            <a:xfrm>
+              <a:off x="6646631" y="5472586"/>
+              <a:ext cx="501050" cy="501050"/>
+            </a:xfrm>
+            <a:prstGeom prst="rect">
+              <a:avLst/>
+            </a:prstGeom>
+          </p:spPr>
+        </p:pic>
+        <p:sp>
+          <p:nvSpPr>
+            <p:cNvPr id="63" name="TextBox 62"/>
+            <p:cNvSpPr txBox="1"/>
+            <p:nvPr/>
+          </p:nvSpPr>
+          <p:spPr>
+            <a:xfrm>
+              <a:off x="6646632" y="5576917"/>
+              <a:ext cx="2277475" cy="276999"/>
+            </a:xfrm>
+            <a:prstGeom prst="rect">
+              <a:avLst/>
+            </a:prstGeom>
+            <a:noFill/>
+          </p:spPr>
+          <p:txBody>
+            <a:bodyPr wrap="square" rtlCol="0">
+              <a:spAutoFit/>
+            </a:bodyPr>
+            <a:lstStyle/>
+            <a:p>
+              <a:pPr lvl="1"/>
+              <a:r>
+                <a:rPr lang="en-GB" sz="1200" dirty="0">
+                  <a:solidFill>
+                    <a:srgbClr val="012456"/>
+                  </a:solidFill>
+                </a:rPr>
+                <a:t>sqldbawith</a:t>
+              </a:r>
+              <a:r>
+                <a:rPr lang="en-GB" sz="1200" dirty="0">
+                  <a:solidFill>
+                    <a:srgbClr val="FF0000"/>
+                  </a:solidFill>
+                </a:rPr>
+                <a:t>A</a:t>
+              </a:r>
+              <a:r>
+                <a:rPr lang="en-GB" sz="1200" dirty="0">
+                  <a:solidFill>
+                    <a:srgbClr val="012456"/>
+                  </a:solidFill>
+                </a:rPr>
+                <a:t>beard.com</a:t>
+              </a:r>
+              <a:endParaRPr lang="en-US" sz="1200" dirty="0"/>
+            </a:p>
+          </p:txBody>
+        </p:sp>
+      </p:grpSp>
     </p:spTree>
     <p:extLst>
       <p:ext uri="{BB962C8B-B14F-4D97-AF65-F5344CB8AC3E}">
@@ -7596,6 +8063,234 @@
     <a:masterClrMapping/>
   </p:clrMapOvr>
   <p:transition spd="slow"/>
+  <p:timing>
+    <p:tnLst>
+      <p:par>
+        <p:cTn id="1" dur="indefinite" restart="never" nodeType="tmRoot">
+          <p:childTnLst>
+            <p:seq concurrent="1" nextAc="seek">
+              <p:cTn id="2" dur="indefinite" nodeType="mainSeq">
+                <p:childTnLst>
+                  <p:par>
+                    <p:cTn id="3" fill="hold">
+                      <p:stCondLst>
+                        <p:cond delay="indefinite"/>
+                      </p:stCondLst>
+                      <p:childTnLst>
+                        <p:par>
+                          <p:cTn id="4" fill="hold">
+                            <p:stCondLst>
+                              <p:cond delay="0"/>
+                            </p:stCondLst>
+                            <p:childTnLst>
+                              <p:par>
+                                <p:cTn id="5" presetID="1" presetClass="entr" presetSubtype="0" fill="hold" nodeType="clickEffect">
+                                  <p:stCondLst>
+                                    <p:cond delay="0"/>
+                                  </p:stCondLst>
+                                  <p:childTnLst>
+                                    <p:set>
+                                      <p:cBhvr>
+                                        <p:cTn id="6" dur="1" fill="hold">
+                                          <p:stCondLst>
+                                            <p:cond delay="0"/>
+                                          </p:stCondLst>
+                                        </p:cTn>
+                                        <p:tgtEl>
+                                          <p:spTgt spid="11"/>
+                                        </p:tgtEl>
+                                        <p:attrNameLst>
+                                          <p:attrName>style.visibility</p:attrName>
+                                        </p:attrNameLst>
+                                      </p:cBhvr>
+                                      <p:to>
+                                        <p:strVal val="visible"/>
+                                      </p:to>
+                                    </p:set>
+                                  </p:childTnLst>
+                                </p:cTn>
+                              </p:par>
+                              <p:par>
+                                <p:cTn id="7" presetID="1" presetClass="entr" presetSubtype="0" fill="hold" nodeType="withEffect">
+                                  <p:stCondLst>
+                                    <p:cond delay="0"/>
+                                  </p:stCondLst>
+                                  <p:childTnLst>
+                                    <p:set>
+                                      <p:cBhvr>
+                                        <p:cTn id="8" dur="1" fill="hold">
+                                          <p:stCondLst>
+                                            <p:cond delay="0"/>
+                                          </p:stCondLst>
+                                        </p:cTn>
+                                        <p:tgtEl>
+                                          <p:spTgt spid="18"/>
+                                        </p:tgtEl>
+                                        <p:attrNameLst>
+                                          <p:attrName>style.visibility</p:attrName>
+                                        </p:attrNameLst>
+                                      </p:cBhvr>
+                                      <p:to>
+                                        <p:strVal val="visible"/>
+                                      </p:to>
+                                    </p:set>
+                                  </p:childTnLst>
+                                </p:cTn>
+                              </p:par>
+                              <p:par>
+                                <p:cTn id="9" presetID="1" presetClass="entr" presetSubtype="0" fill="hold" nodeType="withEffect">
+                                  <p:stCondLst>
+                                    <p:cond delay="0"/>
+                                  </p:stCondLst>
+                                  <p:childTnLst>
+                                    <p:set>
+                                      <p:cBhvr>
+                                        <p:cTn id="10" dur="1" fill="hold">
+                                          <p:stCondLst>
+                                            <p:cond delay="0"/>
+                                          </p:stCondLst>
+                                        </p:cTn>
+                                        <p:tgtEl>
+                                          <p:spTgt spid="21"/>
+                                        </p:tgtEl>
+                                        <p:attrNameLst>
+                                          <p:attrName>style.visibility</p:attrName>
+                                        </p:attrNameLst>
+                                      </p:cBhvr>
+                                      <p:to>
+                                        <p:strVal val="visible"/>
+                                      </p:to>
+                                    </p:set>
+                                  </p:childTnLst>
+                                </p:cTn>
+                              </p:par>
+                            </p:childTnLst>
+                          </p:cTn>
+                        </p:par>
+                      </p:childTnLst>
+                    </p:cTn>
+                  </p:par>
+                  <p:par>
+                    <p:cTn id="11" fill="hold">
+                      <p:stCondLst>
+                        <p:cond delay="indefinite"/>
+                      </p:stCondLst>
+                      <p:childTnLst>
+                        <p:par>
+                          <p:cTn id="12" fill="hold">
+                            <p:stCondLst>
+                              <p:cond delay="0"/>
+                            </p:stCondLst>
+                            <p:childTnLst>
+                              <p:par>
+                                <p:cTn id="13" presetID="1" presetClass="entr" presetSubtype="0" fill="hold" nodeType="clickEffect">
+                                  <p:stCondLst>
+                                    <p:cond delay="0"/>
+                                  </p:stCondLst>
+                                  <p:childTnLst>
+                                    <p:set>
+                                      <p:cBhvr>
+                                        <p:cTn id="14" dur="1" fill="hold">
+                                          <p:stCondLst>
+                                            <p:cond delay="0"/>
+                                          </p:stCondLst>
+                                        </p:cTn>
+                                        <p:tgtEl>
+                                          <p:spTgt spid="43"/>
+                                        </p:tgtEl>
+                                        <p:attrNameLst>
+                                          <p:attrName>style.visibility</p:attrName>
+                                        </p:attrNameLst>
+                                      </p:cBhvr>
+                                      <p:to>
+                                        <p:strVal val="visible"/>
+                                      </p:to>
+                                    </p:set>
+                                  </p:childTnLst>
+                                </p:cTn>
+                              </p:par>
+                              <p:par>
+                                <p:cTn id="15" presetID="1" presetClass="entr" presetSubtype="0" fill="hold" nodeType="withEffect">
+                                  <p:stCondLst>
+                                    <p:cond delay="0"/>
+                                  </p:stCondLst>
+                                  <p:childTnLst>
+                                    <p:set>
+                                      <p:cBhvr>
+                                        <p:cTn id="16" dur="1" fill="hold">
+                                          <p:stCondLst>
+                                            <p:cond delay="0"/>
+                                          </p:stCondLst>
+                                        </p:cTn>
+                                        <p:tgtEl>
+                                          <p:spTgt spid="49"/>
+                                        </p:tgtEl>
+                                        <p:attrNameLst>
+                                          <p:attrName>style.visibility</p:attrName>
+                                        </p:attrNameLst>
+                                      </p:cBhvr>
+                                      <p:to>
+                                        <p:strVal val="visible"/>
+                                      </p:to>
+                                    </p:set>
+                                  </p:childTnLst>
+                                </p:cTn>
+                              </p:par>
+                              <p:par>
+                                <p:cTn id="17" presetID="1" presetClass="entr" presetSubtype="0" fill="hold" nodeType="withEffect">
+                                  <p:stCondLst>
+                                    <p:cond delay="0"/>
+                                  </p:stCondLst>
+                                  <p:childTnLst>
+                                    <p:set>
+                                      <p:cBhvr>
+                                        <p:cTn id="18" dur="1" fill="hold">
+                                          <p:stCondLst>
+                                            <p:cond delay="0"/>
+                                          </p:stCondLst>
+                                        </p:cTn>
+                                        <p:tgtEl>
+                                          <p:spTgt spid="61"/>
+                                        </p:tgtEl>
+                                        <p:attrNameLst>
+                                          <p:attrName>style.visibility</p:attrName>
+                                        </p:attrNameLst>
+                                      </p:cBhvr>
+                                      <p:to>
+                                        <p:strVal val="visible"/>
+                                      </p:to>
+                                    </p:set>
+                                  </p:childTnLst>
+                                </p:cTn>
+                              </p:par>
+                            </p:childTnLst>
+                          </p:cTn>
+                        </p:par>
+                      </p:childTnLst>
+                    </p:cTn>
+                  </p:par>
+                </p:childTnLst>
+              </p:cTn>
+              <p:prevCondLst>
+                <p:cond evt="onPrev" delay="0">
+                  <p:tgtEl>
+                    <p:sldTgt/>
+                  </p:tgtEl>
+                </p:cond>
+              </p:prevCondLst>
+              <p:nextCondLst>
+                <p:cond evt="onNext" delay="0">
+                  <p:tgtEl>
+                    <p:sldTgt/>
+                  </p:tgtEl>
+                </p:cond>
+              </p:nextCondLst>
+            </p:seq>
+          </p:childTnLst>
+        </p:cTn>
+      </p:par>
+    </p:tnLst>
+  </p:timing>
 </p:sld>
 </file>
 
@@ -7685,7 +8380,7 @@
         <p:spPr>
           <a:xfrm>
             <a:off x="184030" y="95394"/>
-            <a:ext cx="11846944" cy="2308324"/>
+            <a:ext cx="11846944" cy="1015663"/>
           </a:xfrm>
           <a:prstGeom prst="rect">
             <a:avLst/>
@@ -7700,7 +8395,7 @@
           <a:p>
             <a:pPr algn="ctr"/>
             <a:r>
-              <a:rPr lang="pt-PT" sz="7200" dirty="0">
+              <a:rPr lang="pt-PT" sz="6000" dirty="0">
                 <a:solidFill>
                   <a:schemeClr val="tx1">
                     <a:lumMod val="75000"/>
